--- a/dsc-phase-3-project-presentation 3.28.pptx
+++ b/dsc-phase-3-project-presentation 3.28.pptx
@@ -11,8 +11,11 @@
     <p:sldId id="267" r:id="rId5"/>
     <p:sldId id="262" r:id="rId6"/>
     <p:sldId id="272" r:id="rId7"/>
-    <p:sldId id="273" r:id="rId8"/>
-    <p:sldId id="269" r:id="rId9"/>
+    <p:sldId id="275" r:id="rId8"/>
+    <p:sldId id="273" r:id="rId9"/>
+    <p:sldId id="269" r:id="rId10"/>
+    <p:sldId id="277" r:id="rId11"/>
+    <p:sldId id="276" r:id="rId12"/>
   </p:sldIdLst>
   <p:sldSz cx="12192000" cy="6858000"/>
   <p:notesSz cx="6858000" cy="9144000"/>
@@ -1065,8 +1068,8 @@
             </a:lnSpc>
           </a:pPr>
           <a:r>
-            <a:rPr lang="en-US"/>
-            <a:t>Work with school districts to distribute surveys prior to the school year with effective attributes</a:t>
+            <a:rPr lang="en-US" dirty="0"/>
+            <a:t>Work with school districts to distribute surveys prior to the school year with these attributes</a:t>
           </a:r>
         </a:p>
       </dgm:t>
@@ -1106,8 +1109,8 @@
             </a:lnSpc>
           </a:pPr>
           <a:r>
-            <a:rPr lang="en-US"/>
-            <a:t>Run new data through model to predict which students are at risk of failing and assign tutors</a:t>
+            <a:rPr lang="en-US" dirty="0"/>
+            <a:t>Run new data through model to predict which students are at risk of failing and assign tutors accordingly</a:t>
           </a:r>
         </a:p>
       </dgm:t>
@@ -1147,8 +1150,8 @@
             </a:lnSpc>
           </a:pPr>
           <a:r>
-            <a:rPr lang="en-US"/>
-            <a:t>Continue to gather data to further improve survey and predictions</a:t>
+            <a:rPr lang="en-US" dirty="0"/>
+            <a:t>Refine survey questions around most predictive attributes from Portugal dataset to increase accuracy of model</a:t>
           </a:r>
         </a:p>
       </dgm:t>
@@ -1523,8 +1526,8 @@
             <a:buNone/>
           </a:pPr>
           <a:r>
-            <a:rPr lang="en-US" sz="2500" kern="1200"/>
-            <a:t>Work with school districts to distribute surveys prior to the school year with effective attributes</a:t>
+            <a:rPr lang="en-US" sz="2500" kern="1200" dirty="0"/>
+            <a:t>Work with school districts to distribute surveys prior to the school year with these attributes</a:t>
           </a:r>
         </a:p>
       </dsp:txBody>
@@ -1681,8 +1684,8 @@
             <a:buNone/>
           </a:pPr>
           <a:r>
-            <a:rPr lang="en-US" sz="2500" kern="1200"/>
-            <a:t>Run new data through model to predict which students are at risk of failing and assign tutors</a:t>
+            <a:rPr lang="en-US" sz="2500" kern="1200" dirty="0"/>
+            <a:t>Run new data through model to predict which students are at risk of failing and assign tutors accordingly</a:t>
           </a:r>
         </a:p>
       </dsp:txBody>
@@ -1839,8 +1842,8 @@
             <a:buNone/>
           </a:pPr>
           <a:r>
-            <a:rPr lang="en-US" sz="2500" kern="1200"/>
-            <a:t>Continue to gather data to further improve survey and predictions</a:t>
+            <a:rPr lang="en-US" sz="2500" kern="1200" dirty="0"/>
+            <a:t>Refine survey questions around most predictive attributes from Portugal dataset to increase accuracy of model</a:t>
           </a:r>
         </a:p>
       </dsp:txBody>
@@ -3427,7 +3430,7 @@
             <a:fld id="{B61BEF0D-F0BB-DE4B-95CE-6DB70DBA9567}" type="datetimeFigureOut">
               <a:rPr lang="en-US" dirty="0"/>
               <a:pPr/>
-              <a:t>3/24/22</a:t>
+              <a:t>3/28/22</a:t>
             </a:fld>
             <a:endParaRPr lang="en-US" dirty="0"/>
           </a:p>
@@ -3686,7 +3689,7 @@
             <a:fld id="{B61BEF0D-F0BB-DE4B-95CE-6DB70DBA9567}" type="datetimeFigureOut">
               <a:rPr lang="en-US" dirty="0"/>
               <a:pPr/>
-              <a:t>3/24/22</a:t>
+              <a:t>3/28/22</a:t>
             </a:fld>
             <a:endParaRPr lang="en-US" dirty="0"/>
           </a:p>
@@ -3918,7 +3921,7 @@
             <a:fld id="{B61BEF0D-F0BB-DE4B-95CE-6DB70DBA9567}" type="datetimeFigureOut">
               <a:rPr lang="en-US" dirty="0"/>
               <a:pPr/>
-              <a:t>3/24/22</a:t>
+              <a:t>3/28/22</a:t>
             </a:fld>
             <a:endParaRPr lang="en-US" dirty="0"/>
           </a:p>
@@ -4155,7 +4158,7 @@
             <a:fld id="{B61BEF0D-F0BB-DE4B-95CE-6DB70DBA9567}" type="datetimeFigureOut">
               <a:rPr lang="en-US" dirty="0"/>
               <a:pPr/>
-              <a:t>3/24/22</a:t>
+              <a:t>3/28/22</a:t>
             </a:fld>
             <a:endParaRPr lang="en-US" dirty="0"/>
           </a:p>
@@ -4459,7 +4462,7 @@
             <a:fld id="{B61BEF0D-F0BB-DE4B-95CE-6DB70DBA9567}" type="datetimeFigureOut">
               <a:rPr lang="en-US" dirty="0"/>
               <a:pPr/>
-              <a:t>3/24/22</a:t>
+              <a:t>3/28/22</a:t>
             </a:fld>
             <a:endParaRPr lang="en-US" dirty="0"/>
           </a:p>
@@ -4758,7 +4761,7 @@
             <a:fld id="{B61BEF0D-F0BB-DE4B-95CE-6DB70DBA9567}" type="datetimeFigureOut">
               <a:rPr lang="en-US" dirty="0"/>
               <a:pPr/>
-              <a:t>3/24/22</a:t>
+              <a:t>3/28/22</a:t>
             </a:fld>
             <a:endParaRPr lang="en-US" dirty="0"/>
           </a:p>
@@ -5177,7 +5180,7 @@
             <a:fld id="{B61BEF0D-F0BB-DE4B-95CE-6DB70DBA9567}" type="datetimeFigureOut">
               <a:rPr lang="en-US" dirty="0"/>
               <a:pPr/>
-              <a:t>3/24/22</a:t>
+              <a:t>3/28/22</a:t>
             </a:fld>
             <a:endParaRPr lang="en-US" dirty="0"/>
           </a:p>
@@ -5336,7 +5339,7 @@
             <a:fld id="{B61BEF0D-F0BB-DE4B-95CE-6DB70DBA9567}" type="datetimeFigureOut">
               <a:rPr lang="en-US" dirty="0"/>
               <a:pPr/>
-              <a:t>3/24/22</a:t>
+              <a:t>3/28/22</a:t>
             </a:fld>
             <a:endParaRPr lang="en-US" dirty="0"/>
           </a:p>
@@ -5428,7 +5431,7 @@
             <a:fld id="{B61BEF0D-F0BB-DE4B-95CE-6DB70DBA9567}" type="datetimeFigureOut">
               <a:rPr lang="en-US" dirty="0"/>
               <a:pPr/>
-              <a:t>3/24/22</a:t>
+              <a:t>3/28/22</a:t>
             </a:fld>
             <a:endParaRPr lang="en-US" dirty="0"/>
           </a:p>
@@ -5803,7 +5806,7 @@
             <a:fld id="{B61BEF0D-F0BB-DE4B-95CE-6DB70DBA9567}" type="datetimeFigureOut">
               <a:rPr lang="en-US" dirty="0"/>
               <a:pPr/>
-              <a:t>3/24/22</a:t>
+              <a:t>3/28/22</a:t>
             </a:fld>
             <a:endParaRPr lang="en-US" dirty="0"/>
           </a:p>
@@ -6089,7 +6092,7 @@
             <a:fld id="{B61BEF0D-F0BB-DE4B-95CE-6DB70DBA9567}" type="datetimeFigureOut">
               <a:rPr lang="en-US" dirty="0"/>
               <a:pPr/>
-              <a:t>3/24/22</a:t>
+              <a:t>3/28/22</a:t>
             </a:fld>
             <a:endParaRPr lang="en-US" dirty="0"/>
           </a:p>
@@ -6297,7 +6300,7 @@
             <a:fld id="{B61BEF0D-F0BB-DE4B-95CE-6DB70DBA9567}" type="datetimeFigureOut">
               <a:rPr lang="en-US" dirty="0"/>
               <a:pPr/>
-              <a:t>3/24/22</a:t>
+              <a:t>3/28/22</a:t>
             </a:fld>
             <a:endParaRPr lang="en-US" dirty="0"/>
           </a:p>
@@ -7179,6 +7182,903 @@
 </p:sld>
 </file>
 
+<file path=ppt/slides/slide10.xml><?xml version="1.0" encoding="utf-8"?>
+<p:sld xmlns:a="http://schemas.openxmlformats.org/drawingml/2006/main" xmlns:r="http://schemas.openxmlformats.org/officeDocument/2006/relationships" xmlns:p="http://schemas.openxmlformats.org/presentationml/2006/main">
+  <p:cSld>
+    <p:bg>
+      <p:bgPr>
+        <a:solidFill>
+          <a:schemeClr val="bg1"/>
+        </a:solidFill>
+        <a:effectLst/>
+      </p:bgPr>
+    </p:bg>
+    <p:spTree>
+      <p:nvGrpSpPr>
+        <p:cNvPr id="1" name=""/>
+        <p:cNvGrpSpPr/>
+        <p:nvPr/>
+      </p:nvGrpSpPr>
+      <p:grpSpPr>
+        <a:xfrm>
+          <a:off x="0" y="0"/>
+          <a:ext cx="0" cy="0"/>
+          <a:chOff x="0" y="0"/>
+          <a:chExt cx="0" cy="0"/>
+        </a:xfrm>
+      </p:grpSpPr>
+      <p:sp useBgFill="1">
+        <p:nvSpPr>
+          <p:cNvPr id="21" name="Rectangle 20">
+            <a:extLst>
+              <a:ext uri="{FF2B5EF4-FFF2-40B4-BE49-F238E27FC236}">
+                <a16:creationId xmlns:a16="http://schemas.microsoft.com/office/drawing/2014/main" id="{34BFB7C5-23B6-4047-BF5E-F9EEBB437CD0}"/>
+              </a:ext>
+              <a:ext uri="{C183D7F6-B498-43B3-948B-1728B52AA6E4}">
+                <adec:decorative xmlns:adec="http://schemas.microsoft.com/office/drawing/2017/decorative" val="1"/>
+              </a:ext>
+            </a:extLst>
+          </p:cNvPr>
+          <p:cNvSpPr>
+            <a:spLocks noGrp="1" noRot="1" noChangeAspect="1" noMove="1" noResize="1" noEditPoints="1" noAdjustHandles="1" noChangeArrowheads="1" noChangeShapeType="1" noTextEdit="1"/>
+          </p:cNvSpPr>
+          <p:nvPr>
+            <p:extLst>
+              <p:ext uri="{386F3935-93C4-4BCD-93E2-E3B085C9AB24}">
+                <p16:designElem xmlns:p16="http://schemas.microsoft.com/office/powerpoint/2015/main" val="1"/>
+              </p:ext>
+            </p:extLst>
+          </p:nvPr>
+        </p:nvSpPr>
+        <p:spPr>
+          <a:xfrm>
+            <a:off x="0" y="0"/>
+            <a:ext cx="12192000" cy="6858000"/>
+          </a:xfrm>
+          <a:prstGeom prst="rect">
+            <a:avLst/>
+          </a:prstGeom>
+          <a:ln>
+            <a:noFill/>
+          </a:ln>
+        </p:spPr>
+        <p:style>
+          <a:lnRef idx="2">
+            <a:schemeClr val="accent1">
+              <a:shade val="50000"/>
+            </a:schemeClr>
+          </a:lnRef>
+          <a:fillRef idx="1">
+            <a:schemeClr val="accent1"/>
+          </a:fillRef>
+          <a:effectRef idx="0">
+            <a:schemeClr val="accent1"/>
+          </a:effectRef>
+          <a:fontRef idx="minor">
+            <a:schemeClr val="lt1"/>
+          </a:fontRef>
+        </p:style>
+        <p:txBody>
+          <a:bodyPr rtlCol="0" anchor="ctr"/>
+          <a:lstStyle/>
+          <a:p>
+            <a:pPr algn="ctr"/>
+            <a:endParaRPr lang="en-US"/>
+          </a:p>
+        </p:txBody>
+      </p:sp>
+      <p:sp>
+        <p:nvSpPr>
+          <p:cNvPr id="23" name="Rectangle 22">
+            <a:extLst>
+              <a:ext uri="{FF2B5EF4-FFF2-40B4-BE49-F238E27FC236}">
+                <a16:creationId xmlns:a16="http://schemas.microsoft.com/office/drawing/2014/main" id="{D37DA931-62D6-4B32-9103-84C0960AEA6D}"/>
+              </a:ext>
+              <a:ext uri="{C183D7F6-B498-43B3-948B-1728B52AA6E4}">
+                <adec:decorative xmlns:adec="http://schemas.microsoft.com/office/drawing/2017/decorative" val="1"/>
+              </a:ext>
+            </a:extLst>
+          </p:cNvPr>
+          <p:cNvSpPr>
+            <a:spLocks noGrp="1" noRot="1" noChangeAspect="1" noMove="1" noResize="1" noEditPoints="1" noAdjustHandles="1" noChangeArrowheads="1" noChangeShapeType="1" noTextEdit="1"/>
+          </p:cNvSpPr>
+          <p:nvPr>
+            <p:extLst>
+              <p:ext uri="{386F3935-93C4-4BCD-93E2-E3B085C9AB24}">
+                <p16:designElem xmlns:p16="http://schemas.microsoft.com/office/powerpoint/2015/main" val="1"/>
+              </p:ext>
+            </p:extLst>
+          </p:nvPr>
+        </p:nvSpPr>
+        <p:spPr>
+          <a:xfrm>
+            <a:off x="1784420" y="457200"/>
+            <a:ext cx="6248454" cy="5859736"/>
+          </a:xfrm>
+          <a:prstGeom prst="rect">
+            <a:avLst/>
+          </a:prstGeom>
+          <a:solidFill>
+            <a:schemeClr val="accent1"/>
+          </a:solidFill>
+          <a:ln>
+            <a:noFill/>
+          </a:ln>
+          <a:effectLst/>
+        </p:spPr>
+        <p:style>
+          <a:lnRef idx="1">
+            <a:schemeClr val="accent1"/>
+          </a:lnRef>
+          <a:fillRef idx="3">
+            <a:schemeClr val="accent1"/>
+          </a:fillRef>
+          <a:effectRef idx="2">
+            <a:schemeClr val="accent1"/>
+          </a:effectRef>
+          <a:fontRef idx="minor">
+            <a:schemeClr val="lt1"/>
+          </a:fontRef>
+        </p:style>
+      </p:sp>
+      <p:sp>
+        <p:nvSpPr>
+          <p:cNvPr id="2" name="Title 1">
+            <a:extLst>
+              <a:ext uri="{FF2B5EF4-FFF2-40B4-BE49-F238E27FC236}">
+                <a16:creationId xmlns:a16="http://schemas.microsoft.com/office/drawing/2014/main" id="{ADAFD50B-3A7B-9E40-B544-507EE04ABAE3}"/>
+              </a:ext>
+            </a:extLst>
+          </p:cNvPr>
+          <p:cNvSpPr>
+            <a:spLocks noGrp="1"/>
+          </p:cNvSpPr>
+          <p:nvPr>
+            <p:ph type="ctrTitle"/>
+          </p:nvPr>
+        </p:nvSpPr>
+        <p:spPr>
+          <a:xfrm>
+            <a:off x="2156346" y="849745"/>
+            <a:ext cx="5526993" cy="4745836"/>
+          </a:xfrm>
+        </p:spPr>
+        <p:txBody>
+          <a:bodyPr anchor="ctr">
+            <a:normAutofit/>
+          </a:bodyPr>
+          <a:lstStyle/>
+          <a:p>
+            <a:r>
+              <a:rPr lang="en-US" sz="6000" dirty="0">
+                <a:solidFill>
+                  <a:srgbClr val="FFFFFF"/>
+                </a:solidFill>
+              </a:rPr>
+              <a:t>APPENDIX</a:t>
+            </a:r>
+          </a:p>
+        </p:txBody>
+      </p:sp>
+      <p:sp>
+        <p:nvSpPr>
+          <p:cNvPr id="25" name="Rectangle 24">
+            <a:extLst>
+              <a:ext uri="{FF2B5EF4-FFF2-40B4-BE49-F238E27FC236}">
+                <a16:creationId xmlns:a16="http://schemas.microsoft.com/office/drawing/2014/main" id="{4695E140-9B6E-43E9-B17E-CDFE3FCA8AFB}"/>
+              </a:ext>
+              <a:ext uri="{C183D7F6-B498-43B3-948B-1728B52AA6E4}">
+                <adec:decorative xmlns:adec="http://schemas.microsoft.com/office/drawing/2017/decorative" val="1"/>
+              </a:ext>
+            </a:extLst>
+          </p:cNvPr>
+          <p:cNvSpPr>
+            <a:spLocks noGrp="1" noRot="1" noChangeAspect="1" noMove="1" noResize="1" noEditPoints="1" noAdjustHandles="1" noChangeArrowheads="1" noChangeShapeType="1" noTextEdit="1"/>
+          </p:cNvSpPr>
+          <p:nvPr>
+            <p:extLst>
+              <p:ext uri="{386F3935-93C4-4BCD-93E2-E3B085C9AB24}">
+                <p16:designElem xmlns:p16="http://schemas.microsoft.com/office/powerpoint/2015/main" val="1"/>
+              </p:ext>
+            </p:extLst>
+          </p:nvPr>
+        </p:nvSpPr>
+        <p:spPr>
+          <a:xfrm>
+            <a:off x="8129872" y="453642"/>
+            <a:ext cx="3615595" cy="5863293"/>
+          </a:xfrm>
+          <a:prstGeom prst="rect">
+            <a:avLst/>
+          </a:prstGeom>
+          <a:solidFill>
+            <a:schemeClr val="accent4">
+              <a:lumMod val="75000"/>
+            </a:schemeClr>
+          </a:solidFill>
+          <a:ln>
+            <a:noFill/>
+          </a:ln>
+          <a:effectLst/>
+        </p:spPr>
+        <p:style>
+          <a:lnRef idx="1">
+            <a:schemeClr val="accent1"/>
+          </a:lnRef>
+          <a:fillRef idx="3">
+            <a:schemeClr val="accent1"/>
+          </a:fillRef>
+          <a:effectRef idx="2">
+            <a:schemeClr val="accent1"/>
+          </a:effectRef>
+          <a:fontRef idx="minor">
+            <a:schemeClr val="lt1"/>
+          </a:fontRef>
+        </p:style>
+      </p:sp>
+      <p:sp>
+        <p:nvSpPr>
+          <p:cNvPr id="27" name="Rectangle 26">
+            <a:extLst>
+              <a:ext uri="{FF2B5EF4-FFF2-40B4-BE49-F238E27FC236}">
+                <a16:creationId xmlns:a16="http://schemas.microsoft.com/office/drawing/2014/main" id="{FBC3CD9F-A361-4496-A6E0-24338B2A6901}"/>
+              </a:ext>
+              <a:ext uri="{C183D7F6-B498-43B3-948B-1728B52AA6E4}">
+                <adec:decorative xmlns:adec="http://schemas.microsoft.com/office/drawing/2017/decorative" val="1"/>
+              </a:ext>
+            </a:extLst>
+          </p:cNvPr>
+          <p:cNvSpPr>
+            <a:spLocks noGrp="1" noRot="1" noChangeAspect="1" noMove="1" noResize="1" noEditPoints="1" noAdjustHandles="1" noChangeArrowheads="1" noChangeShapeType="1" noTextEdit="1"/>
+          </p:cNvSpPr>
+          <p:nvPr>
+            <p:extLst>
+              <p:ext uri="{386F3935-93C4-4BCD-93E2-E3B085C9AB24}">
+                <p16:designElem xmlns:p16="http://schemas.microsoft.com/office/powerpoint/2015/main" val="1"/>
+              </p:ext>
+            </p:extLst>
+          </p:nvPr>
+        </p:nvSpPr>
+        <p:spPr>
+          <a:xfrm>
+            <a:off x="581191" y="457201"/>
+            <a:ext cx="1106164" cy="5859735"/>
+          </a:xfrm>
+          <a:prstGeom prst="rect">
+            <a:avLst/>
+          </a:prstGeom>
+          <a:solidFill>
+            <a:schemeClr val="accent2"/>
+          </a:solidFill>
+          <a:ln>
+            <a:noFill/>
+          </a:ln>
+          <a:effectLst/>
+        </p:spPr>
+        <p:style>
+          <a:lnRef idx="1">
+            <a:schemeClr val="accent1"/>
+          </a:lnRef>
+          <a:fillRef idx="3">
+            <a:schemeClr val="accent1"/>
+          </a:fillRef>
+          <a:effectRef idx="2">
+            <a:schemeClr val="accent1"/>
+          </a:effectRef>
+          <a:fontRef idx="minor">
+            <a:schemeClr val="lt1"/>
+          </a:fontRef>
+        </p:style>
+      </p:sp>
+    </p:spTree>
+    <p:extLst>
+      <p:ext uri="{BB962C8B-B14F-4D97-AF65-F5344CB8AC3E}">
+        <p14:creationId xmlns:p14="http://schemas.microsoft.com/office/powerpoint/2010/main" val="112503447"/>
+      </p:ext>
+    </p:extLst>
+  </p:cSld>
+  <p:clrMapOvr>
+    <a:masterClrMapping/>
+  </p:clrMapOvr>
+</p:sld>
+</file>
+
+<file path=ppt/slides/slide11.xml><?xml version="1.0" encoding="utf-8"?>
+<p:sld xmlns:a="http://schemas.openxmlformats.org/drawingml/2006/main" xmlns:r="http://schemas.openxmlformats.org/officeDocument/2006/relationships" xmlns:p="http://schemas.openxmlformats.org/presentationml/2006/main">
+  <p:cSld>
+    <p:spTree>
+      <p:nvGrpSpPr>
+        <p:cNvPr id="1" name=""/>
+        <p:cNvGrpSpPr/>
+        <p:nvPr/>
+      </p:nvGrpSpPr>
+      <p:grpSpPr>
+        <a:xfrm>
+          <a:off x="0" y="0"/>
+          <a:ext cx="0" cy="0"/>
+          <a:chOff x="0" y="0"/>
+          <a:chExt cx="0" cy="0"/>
+        </a:xfrm>
+      </p:grpSpPr>
+      <p:sp>
+        <p:nvSpPr>
+          <p:cNvPr id="2" name="Title 1">
+            <a:extLst>
+              <a:ext uri="{FF2B5EF4-FFF2-40B4-BE49-F238E27FC236}">
+                <a16:creationId xmlns:a16="http://schemas.microsoft.com/office/drawing/2014/main" id="{6A3F9E0B-CDEC-464E-BF07-6372F248DA22}"/>
+              </a:ext>
+            </a:extLst>
+          </p:cNvPr>
+          <p:cNvSpPr>
+            <a:spLocks noGrp="1"/>
+          </p:cNvSpPr>
+          <p:nvPr>
+            <p:ph type="title"/>
+          </p:nvPr>
+        </p:nvSpPr>
+        <p:spPr/>
+        <p:txBody>
+          <a:bodyPr/>
+          <a:lstStyle/>
+          <a:p>
+            <a:r>
+              <a:rPr lang="en-US" dirty="0"/>
+              <a:t>Feature definitions</a:t>
+            </a:r>
+          </a:p>
+        </p:txBody>
+      </p:sp>
+      <p:sp>
+        <p:nvSpPr>
+          <p:cNvPr id="3" name="Content Placeholder 2">
+            <a:extLst>
+              <a:ext uri="{FF2B5EF4-FFF2-40B4-BE49-F238E27FC236}">
+                <a16:creationId xmlns:a16="http://schemas.microsoft.com/office/drawing/2014/main" id="{68EFC9FC-3450-3946-96B2-B43468AC8DE2}"/>
+              </a:ext>
+            </a:extLst>
+          </p:cNvPr>
+          <p:cNvSpPr>
+            <a:spLocks noGrp="1"/>
+          </p:cNvSpPr>
+          <p:nvPr>
+            <p:ph idx="1"/>
+          </p:nvPr>
+        </p:nvSpPr>
+        <p:spPr>
+          <a:xfrm>
+            <a:off x="581192" y="2180496"/>
+            <a:ext cx="4694193" cy="4220304"/>
+          </a:xfrm>
+        </p:spPr>
+        <p:txBody>
+          <a:bodyPr>
+            <a:normAutofit fontScale="47500" lnSpcReduction="20000"/>
+          </a:bodyPr>
+          <a:lstStyle/>
+          <a:p>
+            <a:r>
+              <a:rPr lang="en-US" dirty="0"/>
+              <a:t>school - student's school (binary: 'GP' - Gabriel Pereira or 'MS' - </a:t>
+            </a:r>
+            <a:r>
+              <a:rPr lang="en-US" dirty="0" err="1"/>
+              <a:t>Mousinho</a:t>
+            </a:r>
+            <a:r>
+              <a:rPr lang="en-US" dirty="0"/>
+              <a:t> da Silveira)</a:t>
+            </a:r>
+          </a:p>
+          <a:p>
+            <a:r>
+              <a:rPr lang="en-US" dirty="0"/>
+              <a:t>sex - student's sex (binary: 'F' - female or 'M' - male)</a:t>
+            </a:r>
+          </a:p>
+          <a:p>
+            <a:r>
+              <a:rPr lang="en-US" dirty="0"/>
+              <a:t>age - student's age (numeric: from 15 to 22)</a:t>
+            </a:r>
+          </a:p>
+          <a:p>
+            <a:r>
+              <a:rPr lang="en-US" dirty="0"/>
+              <a:t>address - student's home address type (binary: 'U' - urban or 'R' - rural)</a:t>
+            </a:r>
+          </a:p>
+          <a:p>
+            <a:r>
+              <a:rPr lang="en-US" dirty="0" err="1"/>
+              <a:t>famsize</a:t>
+            </a:r>
+            <a:r>
+              <a:rPr lang="en-US" dirty="0"/>
+              <a:t> - family size (binary: 'LE3' - less or equal to 3 or 'GT3' - greater than 3)</a:t>
+            </a:r>
+          </a:p>
+          <a:p>
+            <a:r>
+              <a:rPr lang="en-US" dirty="0" err="1"/>
+              <a:t>Pstatus</a:t>
+            </a:r>
+            <a:r>
+              <a:rPr lang="en-US" dirty="0"/>
+              <a:t> - parent's cohabitation status (binary: 'T' - living together or 'A' - apart)</a:t>
+            </a:r>
+          </a:p>
+          <a:p>
+            <a:r>
+              <a:rPr lang="en-US" dirty="0" err="1"/>
+              <a:t>Medu</a:t>
+            </a:r>
+            <a:r>
+              <a:rPr lang="en-US" dirty="0"/>
+              <a:t> - mother's education (numeric)</a:t>
+            </a:r>
+          </a:p>
+          <a:p>
+            <a:r>
+              <a:rPr lang="en-US" dirty="0" err="1"/>
+              <a:t>Fedu</a:t>
+            </a:r>
+            <a:r>
+              <a:rPr lang="en-US" dirty="0"/>
+              <a:t> - father's education (numeric)</a:t>
+            </a:r>
+          </a:p>
+          <a:p>
+            <a:r>
+              <a:rPr lang="en-US" dirty="0" err="1"/>
+              <a:t>Mjob</a:t>
+            </a:r>
+            <a:r>
+              <a:rPr lang="en-US" dirty="0"/>
+              <a:t> - mother's job (nominal: 'teacher', 'health' care related, civil 'services' (e.g. administrative or police), '</a:t>
+            </a:r>
+            <a:r>
+              <a:rPr lang="en-US" dirty="0" err="1"/>
+              <a:t>at_home</a:t>
+            </a:r>
+            <a:r>
+              <a:rPr lang="en-US" dirty="0"/>
+              <a:t>' or 'other')</a:t>
+            </a:r>
+          </a:p>
+          <a:p>
+            <a:r>
+              <a:rPr lang="en-US" dirty="0" err="1"/>
+              <a:t>Fjob</a:t>
+            </a:r>
+            <a:r>
+              <a:rPr lang="en-US" dirty="0"/>
+              <a:t> - father's job (nominal: 'teacher', 'health' care related, civil 'services' (e.g. administrative or police), '</a:t>
+            </a:r>
+            <a:r>
+              <a:rPr lang="en-US" dirty="0" err="1"/>
+              <a:t>at_home</a:t>
+            </a:r>
+            <a:r>
+              <a:rPr lang="en-US" dirty="0"/>
+              <a:t>' or 'other')</a:t>
+            </a:r>
+          </a:p>
+          <a:p>
+            <a:r>
+              <a:rPr lang="en-US" dirty="0"/>
+              <a:t>reason - reason to choose this school (nominal: close to 'home', school 'reputation', 'course' preference or 'other')</a:t>
+            </a:r>
+          </a:p>
+          <a:p>
+            <a:r>
+              <a:rPr lang="en-US" dirty="0"/>
+              <a:t>guardian - student's guardian (nominal: ‘m</a:t>
+            </a:r>
+          </a:p>
+          <a:p>
+            <a:r>
+              <a:rPr lang="en-US" dirty="0" err="1"/>
+              <a:t>traveltime</a:t>
+            </a:r>
+            <a:r>
+              <a:rPr lang="en-US" dirty="0"/>
+              <a:t> - home to school travel time (numeric: 1 - &lt;15 min., 2 - 15 to 30 min., 3 - 30 min. to 1 hour, or 4 - &gt;1 hour)</a:t>
+            </a:r>
+          </a:p>
+          <a:p>
+            <a:r>
+              <a:rPr lang="en-US" dirty="0" err="1"/>
+              <a:t>studytime</a:t>
+            </a:r>
+            <a:r>
+              <a:rPr lang="en-US" dirty="0"/>
+              <a:t> - weekly study time (numeric: 1 - &lt;2 hours, 2 - 2 to 5 hours, 3 - 5 to 10 hours, or 4 - &gt;10 hours)</a:t>
+            </a:r>
+          </a:p>
+          <a:p>
+            <a:r>
+              <a:rPr lang="en-US" dirty="0"/>
+              <a:t>failures - number of past class failures (numeric: n if 1&lt;=n&lt;3, else 4)</a:t>
+            </a:r>
+          </a:p>
+          <a:p>
+            <a:r>
+              <a:rPr lang="en-US" dirty="0"/>
+              <a:t>other', 'father' or 'other')</a:t>
+            </a:r>
+          </a:p>
+        </p:txBody>
+      </p:sp>
+      <p:sp>
+        <p:nvSpPr>
+          <p:cNvPr id="4" name="Content Placeholder 2">
+            <a:extLst>
+              <a:ext uri="{FF2B5EF4-FFF2-40B4-BE49-F238E27FC236}">
+                <a16:creationId xmlns:a16="http://schemas.microsoft.com/office/drawing/2014/main" id="{B8BD2866-63D3-FA45-A4D7-C673DDD9ADAC}"/>
+              </a:ext>
+            </a:extLst>
+          </p:cNvPr>
+          <p:cNvSpPr txBox="1">
+            <a:spLocks/>
+          </p:cNvSpPr>
+          <p:nvPr/>
+        </p:nvSpPr>
+        <p:spPr>
+          <a:xfrm>
+            <a:off x="6302053" y="2180496"/>
+            <a:ext cx="4694193" cy="4220304"/>
+          </a:xfrm>
+          <a:prstGeom prst="rect">
+            <a:avLst/>
+          </a:prstGeom>
+        </p:spPr>
+        <p:txBody>
+          <a:bodyPr vert="horz" lIns="91440" tIns="45720" rIns="91440" bIns="45720" rtlCol="0" anchor="ctr">
+            <a:normAutofit fontScale="55000" lnSpcReduction="20000"/>
+          </a:bodyPr>
+          <a:lstStyle>
+            <a:lvl1pPr marL="306000" indent="-306000" algn="l" defTabSz="457200" rtl="0" eaLnBrk="1" latinLnBrk="0" hangingPunct="1">
+              <a:spcBef>
+                <a:spcPct val="20000"/>
+              </a:spcBef>
+              <a:spcAft>
+                <a:spcPts val="600"/>
+              </a:spcAft>
+              <a:buClr>
+                <a:schemeClr val="accent2"/>
+              </a:buClr>
+              <a:buSzPct val="92000"/>
+              <a:buFont typeface="Wingdings 2" panose="05020102010507070707" pitchFamily="18" charset="2"/>
+              <a:buChar char=""/>
+              <a:defRPr sz="1800" kern="1200">
+                <a:solidFill>
+                  <a:schemeClr val="tx2"/>
+                </a:solidFill>
+                <a:latin typeface="+mn-lt"/>
+                <a:ea typeface="+mn-ea"/>
+                <a:cs typeface="+mn-cs"/>
+              </a:defRPr>
+            </a:lvl1pPr>
+            <a:lvl2pPr marL="630000" indent="-306000" algn="l" defTabSz="457200" rtl="0" eaLnBrk="1" latinLnBrk="0" hangingPunct="1">
+              <a:spcBef>
+                <a:spcPct val="20000"/>
+              </a:spcBef>
+              <a:spcAft>
+                <a:spcPts val="600"/>
+              </a:spcAft>
+              <a:buClr>
+                <a:schemeClr val="accent2"/>
+              </a:buClr>
+              <a:buSzPct val="92000"/>
+              <a:buFont typeface="Wingdings 2" panose="05020102010507070707" pitchFamily="18" charset="2"/>
+              <a:buChar char=""/>
+              <a:defRPr sz="1600" kern="1200">
+                <a:solidFill>
+                  <a:schemeClr val="tx2"/>
+                </a:solidFill>
+                <a:latin typeface="+mn-lt"/>
+                <a:ea typeface="+mn-ea"/>
+                <a:cs typeface="+mn-cs"/>
+              </a:defRPr>
+            </a:lvl2pPr>
+            <a:lvl3pPr marL="900000" indent="-270000" algn="l" defTabSz="457200" rtl="0" eaLnBrk="1" latinLnBrk="0" hangingPunct="1">
+              <a:spcBef>
+                <a:spcPct val="20000"/>
+              </a:spcBef>
+              <a:spcAft>
+                <a:spcPts val="600"/>
+              </a:spcAft>
+              <a:buClr>
+                <a:schemeClr val="accent2"/>
+              </a:buClr>
+              <a:buSzPct val="92000"/>
+              <a:buFont typeface="Wingdings 2" panose="05020102010507070707" pitchFamily="18" charset="2"/>
+              <a:buChar char=""/>
+              <a:defRPr sz="1400" kern="1200">
+                <a:solidFill>
+                  <a:schemeClr val="tx2"/>
+                </a:solidFill>
+                <a:latin typeface="+mn-lt"/>
+                <a:ea typeface="+mn-ea"/>
+                <a:cs typeface="+mn-cs"/>
+              </a:defRPr>
+            </a:lvl3pPr>
+            <a:lvl4pPr marL="1242000" indent="-234000" algn="l" defTabSz="457200" rtl="0" eaLnBrk="1" latinLnBrk="0" hangingPunct="1">
+              <a:spcBef>
+                <a:spcPct val="20000"/>
+              </a:spcBef>
+              <a:spcAft>
+                <a:spcPts val="600"/>
+              </a:spcAft>
+              <a:buClr>
+                <a:schemeClr val="accent2"/>
+              </a:buClr>
+              <a:buSzPct val="92000"/>
+              <a:buFont typeface="Wingdings 2" panose="05020102010507070707" pitchFamily="18" charset="2"/>
+              <a:buChar char=""/>
+              <a:defRPr sz="1200" kern="1200">
+                <a:solidFill>
+                  <a:schemeClr val="tx2"/>
+                </a:solidFill>
+                <a:latin typeface="+mn-lt"/>
+                <a:ea typeface="+mn-ea"/>
+                <a:cs typeface="+mn-cs"/>
+              </a:defRPr>
+            </a:lvl4pPr>
+            <a:lvl5pPr marL="1602000" indent="-234000" algn="l" defTabSz="457200" rtl="0" eaLnBrk="1" latinLnBrk="0" hangingPunct="1">
+              <a:spcBef>
+                <a:spcPct val="20000"/>
+              </a:spcBef>
+              <a:spcAft>
+                <a:spcPts val="600"/>
+              </a:spcAft>
+              <a:buClr>
+                <a:schemeClr val="accent2"/>
+              </a:buClr>
+              <a:buSzPct val="92000"/>
+              <a:buFont typeface="Wingdings 2" panose="05020102010507070707" pitchFamily="18" charset="2"/>
+              <a:buChar char=""/>
+              <a:defRPr sz="1200" kern="1200">
+                <a:solidFill>
+                  <a:schemeClr val="tx2"/>
+                </a:solidFill>
+                <a:latin typeface="+mn-lt"/>
+                <a:ea typeface="+mn-ea"/>
+                <a:cs typeface="+mn-cs"/>
+              </a:defRPr>
+            </a:lvl5pPr>
+            <a:lvl6pPr marL="1900000" indent="-228600" algn="l" defTabSz="457200" rtl="0" eaLnBrk="1" latinLnBrk="0" hangingPunct="1">
+              <a:spcBef>
+                <a:spcPct val="20000"/>
+              </a:spcBef>
+              <a:spcAft>
+                <a:spcPts val="600"/>
+              </a:spcAft>
+              <a:buClr>
+                <a:schemeClr val="accent2"/>
+              </a:buClr>
+              <a:buSzPct val="92000"/>
+              <a:buFont typeface="Wingdings 2" panose="05020102010507070707" pitchFamily="18" charset="2"/>
+              <a:buChar char=""/>
+              <a:defRPr sz="1200" kern="1200">
+                <a:solidFill>
+                  <a:schemeClr val="tx2"/>
+                </a:solidFill>
+                <a:latin typeface="+mn-lt"/>
+                <a:ea typeface="+mn-ea"/>
+                <a:cs typeface="+mn-cs"/>
+              </a:defRPr>
+            </a:lvl6pPr>
+            <a:lvl7pPr marL="2200000" indent="-228600" algn="l" defTabSz="457200" rtl="0" eaLnBrk="1" latinLnBrk="0" hangingPunct="1">
+              <a:spcBef>
+                <a:spcPct val="20000"/>
+              </a:spcBef>
+              <a:spcAft>
+                <a:spcPts val="600"/>
+              </a:spcAft>
+              <a:buClr>
+                <a:schemeClr val="accent2"/>
+              </a:buClr>
+              <a:buSzPct val="92000"/>
+              <a:buFont typeface="Wingdings 2" panose="05020102010507070707" pitchFamily="18" charset="2"/>
+              <a:buChar char=""/>
+              <a:defRPr sz="1200" kern="1200">
+                <a:solidFill>
+                  <a:schemeClr val="tx2"/>
+                </a:solidFill>
+                <a:latin typeface="+mn-lt"/>
+                <a:ea typeface="+mn-ea"/>
+                <a:cs typeface="+mn-cs"/>
+              </a:defRPr>
+            </a:lvl7pPr>
+            <a:lvl8pPr marL="2500000" indent="-228600" algn="l" defTabSz="457200" rtl="0" eaLnBrk="1" latinLnBrk="0" hangingPunct="1">
+              <a:spcBef>
+                <a:spcPct val="20000"/>
+              </a:spcBef>
+              <a:spcAft>
+                <a:spcPts val="600"/>
+              </a:spcAft>
+              <a:buClr>
+                <a:schemeClr val="accent2"/>
+              </a:buClr>
+              <a:buSzPct val="92000"/>
+              <a:buFont typeface="Wingdings 2" panose="05020102010507070707" pitchFamily="18" charset="2"/>
+              <a:buChar char=""/>
+              <a:defRPr sz="1200" kern="1200">
+                <a:solidFill>
+                  <a:schemeClr val="tx2"/>
+                </a:solidFill>
+                <a:latin typeface="+mn-lt"/>
+                <a:ea typeface="+mn-ea"/>
+                <a:cs typeface="+mn-cs"/>
+              </a:defRPr>
+            </a:lvl8pPr>
+            <a:lvl9pPr marL="2800000" indent="-228600" algn="l" defTabSz="457200" rtl="0" eaLnBrk="1" latinLnBrk="0" hangingPunct="1">
+              <a:spcBef>
+                <a:spcPct val="20000"/>
+              </a:spcBef>
+              <a:spcAft>
+                <a:spcPts val="600"/>
+              </a:spcAft>
+              <a:buClr>
+                <a:schemeClr val="accent2"/>
+              </a:buClr>
+              <a:buSzPct val="92000"/>
+              <a:buFont typeface="Wingdings 2" panose="05020102010507070707" pitchFamily="18" charset="2"/>
+              <a:buChar char=""/>
+              <a:defRPr sz="1200" kern="1200">
+                <a:solidFill>
+                  <a:schemeClr val="tx2"/>
+                </a:solidFill>
+                <a:latin typeface="+mn-lt"/>
+                <a:ea typeface="+mn-ea"/>
+                <a:cs typeface="+mn-cs"/>
+              </a:defRPr>
+            </a:lvl9pPr>
+          </a:lstStyle>
+          <a:p>
+            <a:r>
+              <a:rPr lang="en-US" dirty="0" err="1"/>
+              <a:t>schoolsup</a:t>
+            </a:r>
+            <a:r>
+              <a:rPr lang="en-US" dirty="0"/>
+              <a:t> - extra educational support (binary: yes or no)</a:t>
+            </a:r>
+          </a:p>
+          <a:p>
+            <a:r>
+              <a:rPr lang="en-US" dirty="0" err="1"/>
+              <a:t>famsup</a:t>
+            </a:r>
+            <a:r>
+              <a:rPr lang="en-US" dirty="0"/>
+              <a:t> - family educational support (binary: yes or no)</a:t>
+            </a:r>
+          </a:p>
+          <a:p>
+            <a:r>
+              <a:rPr lang="en-US" dirty="0"/>
+              <a:t>paid - extra paid classes within the course subject (Math or Portuguese) (binary: yes or no)</a:t>
+            </a:r>
+          </a:p>
+          <a:p>
+            <a:r>
+              <a:rPr lang="en-US" dirty="0"/>
+              <a:t>activities - extra-curricular activities (binary: yes or no)</a:t>
+            </a:r>
+          </a:p>
+          <a:p>
+            <a:r>
+              <a:rPr lang="en-US" dirty="0"/>
+              <a:t>nursery - attended nursery school (binary: yes or no)</a:t>
+            </a:r>
+          </a:p>
+          <a:p>
+            <a:r>
+              <a:rPr lang="en-US" dirty="0"/>
+              <a:t>higher - wants to take higher education (binary: yes or no)</a:t>
+            </a:r>
+          </a:p>
+          <a:p>
+            <a:r>
+              <a:rPr lang="en-US" dirty="0"/>
+              <a:t>internet - Internet access at home (binary: yes or no)</a:t>
+            </a:r>
+          </a:p>
+          <a:p>
+            <a:r>
+              <a:rPr lang="en-US" dirty="0"/>
+              <a:t>romantic - with a romantic relationship (binary: yes or no)</a:t>
+            </a:r>
+          </a:p>
+          <a:p>
+            <a:r>
+              <a:rPr lang="en-US" dirty="0" err="1"/>
+              <a:t>famrel</a:t>
+            </a:r>
+            <a:r>
+              <a:rPr lang="en-US" dirty="0"/>
+              <a:t> - quality of family relationships (numeric: from 1 - very bad to 5 - excellent)</a:t>
+            </a:r>
+          </a:p>
+          <a:p>
+            <a:r>
+              <a:rPr lang="en-US" dirty="0" err="1"/>
+              <a:t>freetime</a:t>
+            </a:r>
+            <a:r>
+              <a:rPr lang="en-US" dirty="0"/>
+              <a:t> - free time after school (numeric: from 1 - very low to 5 - very high)</a:t>
+            </a:r>
+          </a:p>
+          <a:p>
+            <a:r>
+              <a:rPr lang="en-US" dirty="0" err="1"/>
+              <a:t>goout</a:t>
+            </a:r>
+            <a:r>
+              <a:rPr lang="en-US" dirty="0"/>
+              <a:t> - going out with friends (numeric: from 1 - very low to 5 - very high)</a:t>
+            </a:r>
+          </a:p>
+          <a:p>
+            <a:r>
+              <a:rPr lang="en-US" dirty="0" err="1"/>
+              <a:t>Dalc</a:t>
+            </a:r>
+            <a:r>
+              <a:rPr lang="en-US" dirty="0"/>
+              <a:t> - workday alcohol consumption (numeric: from 1 - very low to 5 - very high)</a:t>
+            </a:r>
+          </a:p>
+          <a:p>
+            <a:r>
+              <a:rPr lang="en-US" dirty="0" err="1"/>
+              <a:t>Walc</a:t>
+            </a:r>
+            <a:r>
+              <a:rPr lang="en-US" dirty="0"/>
+              <a:t> - weekend alcohol consumption (numeric: from 1 - very low to 5 - very high)</a:t>
+            </a:r>
+          </a:p>
+          <a:p>
+            <a:r>
+              <a:rPr lang="en-US" dirty="0"/>
+              <a:t>health - current health status (numeric: from 1 - very bad to 5 - very good)</a:t>
+            </a:r>
+          </a:p>
+          <a:p>
+            <a:r>
+              <a:rPr lang="en-US" dirty="0"/>
+              <a:t>absences - number of school absences (numeric: from 0 to 93)</a:t>
+            </a:r>
+          </a:p>
+          <a:p>
+            <a:r>
+              <a:rPr lang="en-US" dirty="0" err="1"/>
+              <a:t>final_grade</a:t>
+            </a:r>
+            <a:r>
+              <a:rPr lang="en-US" dirty="0"/>
+              <a:t> - Pass / Fail status (1 - Fail, 0 - Pass)</a:t>
+            </a:r>
+          </a:p>
+        </p:txBody>
+      </p:sp>
+    </p:spTree>
+    <p:extLst>
+      <p:ext uri="{BB962C8B-B14F-4D97-AF65-F5344CB8AC3E}">
+        <p14:creationId xmlns:p14="http://schemas.microsoft.com/office/powerpoint/2010/main" val="2739540910"/>
+      </p:ext>
+    </p:extLst>
+  </p:cSld>
+  <p:clrMapOvr>
+    <a:masterClrMapping/>
+  </p:clrMapOvr>
+</p:sld>
+</file>
+
 <file path=ppt/slides/slide2.xml><?xml version="1.0" encoding="utf-8"?>
 <p:sld xmlns:a="http://schemas.openxmlformats.org/drawingml/2006/main" xmlns:r="http://schemas.openxmlformats.org/officeDocument/2006/relationships" xmlns:p="http://schemas.openxmlformats.org/presentationml/2006/main">
   <p:cSld>
@@ -7373,7 +8273,7 @@
         <p:spPr>
           <a:xfrm>
             <a:off x="609906" y="1836775"/>
-            <a:ext cx="3568661" cy="3634486"/>
+            <a:ext cx="3891756" cy="3634486"/>
           </a:xfrm>
         </p:spPr>
         <p:txBody>
@@ -7388,7 +8288,7 @@
             </a:r>
             <a:r>
               <a:rPr lang="en-US" sz="2000" dirty="0"/>
-              <a:t>aims to help high school students in need find success in the classroom</a:t>
+              <a:t>aims to help high school students find success in the classroom for struggling NYC districts</a:t>
             </a:r>
           </a:p>
           <a:p>
@@ -7397,7 +8297,7 @@
           <a:p>
             <a:r>
               <a:rPr lang="en-US" sz="2000" dirty="0"/>
-              <a:t>The organization needs help allocating tutors to students who need them most </a:t>
+              <a:t>The organization needs help allocating tutors to students who will need them most </a:t>
             </a:r>
           </a:p>
         </p:txBody>
@@ -7480,10 +8380,10 @@
       </p:grpSpPr>
       <p:sp>
         <p:nvSpPr>
-          <p:cNvPr id="4" name="Rectangle 3">
+          <p:cNvPr id="8" name="Rectangle 7">
             <a:extLst>
               <a:ext uri="{FF2B5EF4-FFF2-40B4-BE49-F238E27FC236}">
-                <a16:creationId xmlns:a16="http://schemas.microsoft.com/office/drawing/2014/main" id="{A6B5C650-B2CA-D540-9B2E-37BE759E1312}"/>
+                <a16:creationId xmlns:a16="http://schemas.microsoft.com/office/drawing/2014/main" id="{11C2DBF9-30B7-4C49-8D2C-53DACD7C64C0}"/>
               </a:ext>
             </a:extLst>
           </p:cNvPr>
@@ -7492,8 +8392,8 @@
         </p:nvSpPr>
         <p:spPr>
           <a:xfrm>
-            <a:off x="6940063" y="2288742"/>
-            <a:ext cx="4598564" cy="3581817"/>
+            <a:off x="7095188" y="2598855"/>
+            <a:ext cx="4393425" cy="3001107"/>
           </a:xfrm>
           <a:prstGeom prst="rect">
             <a:avLst/>
@@ -7575,56 +8475,91 @@
           </a:xfrm>
         </p:spPr>
         <p:txBody>
-          <a:bodyPr anchor="t">
-            <a:normAutofit lnSpcReduction="10000"/>
+          <a:bodyPr anchor="ctr">
+            <a:normAutofit/>
           </a:bodyPr>
           <a:lstStyle/>
           <a:p>
             <a:r>
               <a:rPr lang="en-US" sz="2000" dirty="0"/>
-              <a:t>Use a classification model to predict students that are at a higher risk of failing </a:t>
-            </a:r>
-          </a:p>
-          <a:p>
+              <a:t>Work with school districts to distribute surveys with various questions on demographic and social attributes</a:t>
+            </a:r>
+          </a:p>
+          <a:p>
+            <a:r>
+              <a:rPr lang="en-US" sz="2000"/>
+              <a:t>Use </a:t>
+            </a:r>
             <a:r>
               <a:rPr lang="en-US" sz="2000" dirty="0"/>
-              <a:t>Prioritize tutoring resources to these students the model has predicted </a:t>
+              <a:t>a predictive model to determine students that are at a higher risk of failing </a:t>
             </a:r>
           </a:p>
           <a:p>
             <a:r>
               <a:rPr lang="en-US" sz="2000" dirty="0"/>
-              <a:t>What is Classification? </a:t>
-            </a:r>
-          </a:p>
-          <a:p>
-            <a:pPr lvl="1"/>
-            <a:r>
-              <a:rPr lang="en-US" sz="1800" dirty="0"/>
-              <a:t>A model that predicts two outcomes based on existing information</a:t>
-            </a:r>
-          </a:p>
-          <a:p>
-            <a:pPr lvl="1"/>
-            <a:r>
-              <a:rPr lang="en-US" sz="1800" dirty="0"/>
-              <a:t>For our model, this would be either passing or failing a course</a:t>
-            </a:r>
-          </a:p>
-          <a:p>
-            <a:r>
-              <a:rPr lang="en-US" sz="2000" dirty="0"/>
-              <a:t>Which data? </a:t>
+              <a:t>Allocate limited tutoring resources to these students the model has predicted to fail</a:t>
+            </a:r>
+          </a:p>
+        </p:txBody>
+      </p:sp>
+      <p:sp>
+        <p:nvSpPr>
+          <p:cNvPr id="6" name="TextBox 5">
+            <a:extLst>
+              <a:ext uri="{FF2B5EF4-FFF2-40B4-BE49-F238E27FC236}">
+                <a16:creationId xmlns:a16="http://schemas.microsoft.com/office/drawing/2014/main" id="{5366E1FE-2D49-9C41-A394-8C9FEA7B91F4}"/>
+              </a:ext>
+            </a:extLst>
+          </p:cNvPr>
+          <p:cNvSpPr txBox="1"/>
+          <p:nvPr/>
+        </p:nvSpPr>
+        <p:spPr>
+          <a:xfrm>
+            <a:off x="316523" y="6482861"/>
+            <a:ext cx="10351477" cy="276999"/>
+          </a:xfrm>
+          <a:prstGeom prst="rect">
+            <a:avLst/>
+          </a:prstGeom>
+          <a:noFill/>
+        </p:spPr>
+        <p:txBody>
+          <a:bodyPr wrap="square" rtlCol="0">
+            <a:spAutoFit/>
+          </a:bodyPr>
+          <a:lstStyle/>
+          <a:p>
+            <a:r>
+              <a:rPr lang="en-US" sz="1200" dirty="0"/>
+              <a:t>Data source:  https://</a:t>
+            </a:r>
+            <a:r>
+              <a:rPr lang="en-US" sz="1200" dirty="0" err="1"/>
+              <a:t>www.kaggle.com</a:t>
+            </a:r>
+            <a:r>
+              <a:rPr lang="en-US" sz="1200" dirty="0"/>
+              <a:t>/</a:t>
+            </a:r>
+            <a:r>
+              <a:rPr lang="en-US" sz="1200" dirty="0" err="1"/>
+              <a:t>impapan</a:t>
+            </a:r>
+            <a:r>
+              <a:rPr lang="en-US" sz="1200" dirty="0"/>
+              <a:t>/student-performance-data-set</a:t>
             </a:r>
           </a:p>
         </p:txBody>
       </p:sp>
       <p:pic>
         <p:nvPicPr>
-          <p:cNvPr id="4098" name="Picture 2">
+          <p:cNvPr id="1026" name="Picture 2" descr="Survey Icon - Cards Para Rede Social - 500x463 PNG Download - PNGkit">
             <a:extLst>
               <a:ext uri="{FF2B5EF4-FFF2-40B4-BE49-F238E27FC236}">
-                <a16:creationId xmlns:a16="http://schemas.microsoft.com/office/drawing/2014/main" id="{C0E6EC8F-0CAD-8241-93B4-CC93AAD5A849}"/>
+                <a16:creationId xmlns:a16="http://schemas.microsoft.com/office/drawing/2014/main" id="{743C9A56-CC06-3E42-9304-1C0B3B1ED59C}"/>
               </a:ext>
             </a:extLst>
           </p:cNvPr>
@@ -7648,8 +8583,8 @@
         </p:blipFill>
         <p:spPr bwMode="auto">
           <a:xfrm>
-            <a:off x="6940063" y="2396535"/>
-            <a:ext cx="4530800" cy="3391317"/>
+            <a:off x="7212866" y="2709280"/>
+            <a:ext cx="4170240" cy="2761410"/>
           </a:xfrm>
           <a:prstGeom prst="rect">
             <a:avLst/>
@@ -7666,57 +8601,6 @@
           </a:extLst>
         </p:spPr>
       </p:pic>
-      <p:sp>
-        <p:nvSpPr>
-          <p:cNvPr id="6" name="TextBox 5">
-            <a:extLst>
-              <a:ext uri="{FF2B5EF4-FFF2-40B4-BE49-F238E27FC236}">
-                <a16:creationId xmlns:a16="http://schemas.microsoft.com/office/drawing/2014/main" id="{5366E1FE-2D49-9C41-A394-8C9FEA7B91F4}"/>
-              </a:ext>
-            </a:extLst>
-          </p:cNvPr>
-          <p:cNvSpPr txBox="1"/>
-          <p:nvPr/>
-        </p:nvSpPr>
-        <p:spPr>
-          <a:xfrm>
-            <a:off x="316523" y="6482861"/>
-            <a:ext cx="10351477" cy="276999"/>
-          </a:xfrm>
-          <a:prstGeom prst="rect">
-            <a:avLst/>
-          </a:prstGeom>
-          <a:noFill/>
-        </p:spPr>
-        <p:txBody>
-          <a:bodyPr wrap="square" rtlCol="0">
-            <a:spAutoFit/>
-          </a:bodyPr>
-          <a:lstStyle/>
-          <a:p>
-            <a:r>
-              <a:rPr lang="en-US" sz="1200" dirty="0"/>
-              <a:t>Data source:  https://</a:t>
-            </a:r>
-            <a:r>
-              <a:rPr lang="en-US" sz="1200" dirty="0" err="1"/>
-              <a:t>www.kaggle.com</a:t>
-            </a:r>
-            <a:r>
-              <a:rPr lang="en-US" sz="1200" dirty="0"/>
-              <a:t>/</a:t>
-            </a:r>
-            <a:r>
-              <a:rPr lang="en-US" sz="1200" dirty="0" err="1"/>
-              <a:t>impapan</a:t>
-            </a:r>
-            <a:r>
-              <a:rPr lang="en-US" sz="1200" dirty="0"/>
-              <a:t>/student-performance-data-set</a:t>
-            </a:r>
-          </a:p>
-        </p:txBody>
-      </p:sp>
     </p:spTree>
     <p:extLst>
       <p:ext uri="{BB962C8B-B14F-4D97-AF65-F5344CB8AC3E}">
@@ -7761,8 +8645,8 @@
         </p:nvSpPr>
         <p:spPr>
           <a:xfrm>
-            <a:off x="6543759" y="2180496"/>
-            <a:ext cx="5167595" cy="3798273"/>
+            <a:off x="6543759" y="2520462"/>
+            <a:ext cx="5167595" cy="3505199"/>
           </a:xfrm>
           <a:prstGeom prst="rect">
             <a:avLst/>
@@ -7844,39 +8728,60 @@
           </a:xfrm>
         </p:spPr>
         <p:txBody>
-          <a:bodyPr anchor="t">
+          <a:bodyPr anchor="ctr">
             <a:noAutofit/>
           </a:bodyPr>
           <a:lstStyle/>
           <a:p>
-            <a:r>
-              <a:rPr lang="en-US" dirty="0"/>
-              <a:t>Data used for prediction is from 1044 students from multiple high schools in Portugal</a:t>
-            </a:r>
-          </a:p>
-          <a:p>
-            <a:r>
-              <a:rPr lang="en-US" dirty="0"/>
+            <a:endParaRPr lang="en-US" sz="2000" dirty="0"/>
+          </a:p>
+          <a:p>
+            <a:endParaRPr lang="en-US" sz="2000" dirty="0"/>
+          </a:p>
+          <a:p>
+            <a:r>
+              <a:rPr lang="en-US" sz="2000" dirty="0"/>
+              <a:t>Data used for prediction consists of 1044 students from multiple high schools in Portugal</a:t>
+            </a:r>
+          </a:p>
+          <a:p>
+            <a:pPr lvl="1"/>
+            <a:r>
+              <a:rPr lang="en-US" sz="1800" dirty="0"/>
+              <a:t>Basic student demographics</a:t>
+            </a:r>
+          </a:p>
+          <a:p>
+            <a:pPr lvl="1"/>
+            <a:r>
+              <a:rPr lang="en-US" sz="1800" dirty="0"/>
               <a:t>Information on parent involvement and careers</a:t>
             </a:r>
           </a:p>
           <a:p>
-            <a:r>
-              <a:rPr lang="en-US" dirty="0"/>
+            <a:pPr lvl="1"/>
+            <a:r>
+              <a:rPr lang="en-US" sz="1800" dirty="0"/>
               <a:t>Student extracurricular activities and time spent</a:t>
+            </a:r>
+          </a:p>
+          <a:p>
+            <a:r>
+              <a:rPr lang="en-US" sz="2000" dirty="0"/>
+              <a:t>Values for most these attributes show significantly different means for students who pass / fail</a:t>
             </a:r>
           </a:p>
           <a:p>
             <a:pPr marL="0" indent="0">
               <a:buNone/>
             </a:pPr>
-            <a:endParaRPr lang="en-US" sz="1400" dirty="0"/>
+            <a:endParaRPr lang="en-US" sz="1600" dirty="0"/>
           </a:p>
           <a:p>
             <a:pPr marL="0" indent="0">
               <a:buNone/>
             </a:pPr>
-            <a:endParaRPr lang="en-US" sz="1400" dirty="0"/>
+            <a:endParaRPr lang="en-US" sz="1600" dirty="0"/>
           </a:p>
         </p:txBody>
       </p:sp>
@@ -7909,8 +8814,8 @@
         </p:blipFill>
         <p:spPr bwMode="auto">
           <a:xfrm>
-            <a:off x="6543760" y="2328946"/>
-            <a:ext cx="5067047" cy="3529853"/>
+            <a:off x="6543760" y="2648201"/>
+            <a:ext cx="5067047" cy="3257490"/>
           </a:xfrm>
           <a:prstGeom prst="rect">
             <a:avLst/>
@@ -7975,6 +8880,53 @@
               <a:rPr lang="en-US" sz="1200" dirty="0"/>
               <a:t>/student-performance-data-set</a:t>
             </a:r>
+          </a:p>
+        </p:txBody>
+      </p:sp>
+      <p:sp>
+        <p:nvSpPr>
+          <p:cNvPr id="7" name="TextBox 6">
+            <a:extLst>
+              <a:ext uri="{FF2B5EF4-FFF2-40B4-BE49-F238E27FC236}">
+                <a16:creationId xmlns:a16="http://schemas.microsoft.com/office/drawing/2014/main" id="{9DBAB485-389E-5346-8A9B-8A6B6D9A2AC0}"/>
+              </a:ext>
+            </a:extLst>
+          </p:cNvPr>
+          <p:cNvSpPr txBox="1"/>
+          <p:nvPr/>
+        </p:nvSpPr>
+        <p:spPr>
+          <a:xfrm>
+            <a:off x="7035414" y="1965053"/>
+            <a:ext cx="4083738" cy="738664"/>
+          </a:xfrm>
+          <a:prstGeom prst="rect">
+            <a:avLst/>
+          </a:prstGeom>
+          <a:noFill/>
+        </p:spPr>
+        <p:txBody>
+          <a:bodyPr wrap="square" rtlCol="0" anchor="ctr">
+            <a:spAutoFit/>
+          </a:bodyPr>
+          <a:lstStyle/>
+          <a:p>
+            <a:pPr algn="ctr"/>
+            <a:r>
+              <a:rPr lang="en-US" sz="1400" dirty="0"/>
+              <a:t>Boxplot of Student Attributes vs. Final Grade</a:t>
+            </a:r>
+          </a:p>
+          <a:p>
+            <a:pPr algn="ctr"/>
+            <a:r>
+              <a:rPr lang="en-US" sz="1400" dirty="0"/>
+              <a:t>(1= Fail, 0=Pass)</a:t>
+            </a:r>
+          </a:p>
+          <a:p>
+            <a:pPr algn="ctr"/>
+            <a:endParaRPr lang="en-US" sz="1400" dirty="0"/>
           </a:p>
         </p:txBody>
       </p:sp>
@@ -8010,10 +8962,209 @@
       </p:grpSpPr>
       <p:sp>
         <p:nvSpPr>
-          <p:cNvPr id="8" name="Rectangle 7">
+          <p:cNvPr id="2" name="Title 1">
             <a:extLst>
               <a:ext uri="{FF2B5EF4-FFF2-40B4-BE49-F238E27FC236}">
-                <a16:creationId xmlns:a16="http://schemas.microsoft.com/office/drawing/2014/main" id="{3FA86333-4EB0-EB43-9CC8-E1091BE8174E}"/>
+                <a16:creationId xmlns:a16="http://schemas.microsoft.com/office/drawing/2014/main" id="{F4847BFF-7693-C246-8383-931543C773B9}"/>
+              </a:ext>
+            </a:extLst>
+          </p:cNvPr>
+          <p:cNvSpPr>
+            <a:spLocks noGrp="1"/>
+          </p:cNvSpPr>
+          <p:nvPr>
+            <p:ph type="title"/>
+          </p:nvPr>
+        </p:nvSpPr>
+        <p:spPr>
+          <a:xfrm>
+            <a:off x="581192" y="702156"/>
+            <a:ext cx="11029616" cy="1013800"/>
+          </a:xfrm>
+        </p:spPr>
+        <p:txBody>
+          <a:bodyPr>
+            <a:normAutofit/>
+          </a:bodyPr>
+          <a:lstStyle/>
+          <a:p>
+            <a:r>
+              <a:rPr lang="en-US" dirty="0">
+                <a:solidFill>
+                  <a:srgbClr val="FFFFFF"/>
+                </a:solidFill>
+              </a:rPr>
+              <a:t>Modeling and Results</a:t>
+            </a:r>
+          </a:p>
+        </p:txBody>
+      </p:sp>
+      <p:sp>
+        <p:nvSpPr>
+          <p:cNvPr id="3" name="Content Placeholder 2">
+            <a:extLst>
+              <a:ext uri="{FF2B5EF4-FFF2-40B4-BE49-F238E27FC236}">
+                <a16:creationId xmlns:a16="http://schemas.microsoft.com/office/drawing/2014/main" id="{D64FD7A7-8065-8840-920B-E9254894BD7F}"/>
+              </a:ext>
+            </a:extLst>
+          </p:cNvPr>
+          <p:cNvSpPr>
+            <a:spLocks noGrp="1"/>
+          </p:cNvSpPr>
+          <p:nvPr>
+            <p:ph idx="1"/>
+          </p:nvPr>
+        </p:nvSpPr>
+        <p:spPr>
+          <a:xfrm>
+            <a:off x="5087815" y="2180496"/>
+            <a:ext cx="6522992" cy="4045683"/>
+          </a:xfrm>
+        </p:spPr>
+        <p:txBody>
+          <a:bodyPr>
+            <a:normAutofit/>
+          </a:bodyPr>
+          <a:lstStyle/>
+          <a:p>
+            <a:r>
+              <a:rPr lang="en-US" sz="2000" dirty="0"/>
+              <a:t>We used a classification model to predict our outcome</a:t>
+            </a:r>
+          </a:p>
+          <a:p>
+            <a:pPr lvl="1"/>
+            <a:r>
+              <a:rPr lang="en-US" sz="1800" dirty="0"/>
+              <a:t>A model that predicts two outcomes based on existing information</a:t>
+            </a:r>
+          </a:p>
+          <a:p>
+            <a:pPr lvl="1"/>
+            <a:r>
+              <a:rPr lang="en-US" sz="1800" dirty="0"/>
+              <a:t>For our model, this would be either passing or failing a course</a:t>
+            </a:r>
+            <a:endParaRPr lang="en-US" dirty="0"/>
+          </a:p>
+          <a:p>
+            <a:r>
+              <a:rPr lang="en-US" dirty="0"/>
+              <a:t>Grades are recoded to a binary outcome based on whether students pass or fail their courses (students who scored under a 60% failed their course)</a:t>
+            </a:r>
+          </a:p>
+          <a:p>
+            <a:r>
+              <a:rPr lang="en-US" dirty="0"/>
+              <a:t>Our model is trained on the student’s attributes and whether they passed their course</a:t>
+            </a:r>
+          </a:p>
+        </p:txBody>
+      </p:sp>
+      <p:sp>
+        <p:nvSpPr>
+          <p:cNvPr id="6" name="TextBox 5">
+            <a:extLst>
+              <a:ext uri="{FF2B5EF4-FFF2-40B4-BE49-F238E27FC236}">
+                <a16:creationId xmlns:a16="http://schemas.microsoft.com/office/drawing/2014/main" id="{4A69C4A5-3E15-B047-B401-3D6327E52F51}"/>
+              </a:ext>
+            </a:extLst>
+          </p:cNvPr>
+          <p:cNvSpPr txBox="1"/>
+          <p:nvPr/>
+        </p:nvSpPr>
+        <p:spPr>
+          <a:xfrm>
+            <a:off x="316523" y="6482861"/>
+            <a:ext cx="10351477" cy="276999"/>
+          </a:xfrm>
+          <a:prstGeom prst="rect">
+            <a:avLst/>
+          </a:prstGeom>
+          <a:noFill/>
+        </p:spPr>
+        <p:txBody>
+          <a:bodyPr wrap="square" rtlCol="0">
+            <a:spAutoFit/>
+          </a:bodyPr>
+          <a:lstStyle/>
+          <a:p>
+            <a:r>
+              <a:rPr lang="en-US" sz="1200" dirty="0"/>
+              <a:t>Data source:  https://</a:t>
+            </a:r>
+            <a:r>
+              <a:rPr lang="en-US" sz="1200" dirty="0" err="1"/>
+              <a:t>www.kaggle.com</a:t>
+            </a:r>
+            <a:r>
+              <a:rPr lang="en-US" sz="1200" dirty="0"/>
+              <a:t>/</a:t>
+            </a:r>
+            <a:r>
+              <a:rPr lang="en-US" sz="1200" dirty="0" err="1"/>
+              <a:t>impapan</a:t>
+            </a:r>
+            <a:r>
+              <a:rPr lang="en-US" sz="1200" dirty="0"/>
+              <a:t>/student-performance-data-set</a:t>
+            </a:r>
+          </a:p>
+        </p:txBody>
+      </p:sp>
+      <p:sp>
+        <p:nvSpPr>
+          <p:cNvPr id="5" name="TextBox 4">
+            <a:extLst>
+              <a:ext uri="{FF2B5EF4-FFF2-40B4-BE49-F238E27FC236}">
+                <a16:creationId xmlns:a16="http://schemas.microsoft.com/office/drawing/2014/main" id="{602965D2-2F1F-B546-9D43-8503C5101FA1}"/>
+              </a:ext>
+            </a:extLst>
+          </p:cNvPr>
+          <p:cNvSpPr txBox="1"/>
+          <p:nvPr/>
+        </p:nvSpPr>
+        <p:spPr>
+          <a:xfrm>
+            <a:off x="831266" y="2046986"/>
+            <a:ext cx="4083738" cy="738664"/>
+          </a:xfrm>
+          <a:prstGeom prst="rect">
+            <a:avLst/>
+          </a:prstGeom>
+          <a:noFill/>
+        </p:spPr>
+        <p:txBody>
+          <a:bodyPr wrap="square" rtlCol="0" anchor="ctr">
+            <a:spAutoFit/>
+          </a:bodyPr>
+          <a:lstStyle/>
+          <a:p>
+            <a:pPr algn="ctr"/>
+            <a:r>
+              <a:rPr lang="en-US" sz="1400" dirty="0"/>
+              <a:t>Logistic Regression Model Structure</a:t>
+            </a:r>
+          </a:p>
+          <a:p>
+            <a:pPr algn="ctr"/>
+            <a:r>
+              <a:rPr lang="en-US" sz="1400" dirty="0"/>
+              <a:t>(1= Fail, 0=Pass)</a:t>
+            </a:r>
+          </a:p>
+          <a:p>
+            <a:pPr algn="ctr"/>
+            <a:endParaRPr lang="en-US" sz="1400" dirty="0"/>
+          </a:p>
+        </p:txBody>
+      </p:sp>
+      <p:sp>
+        <p:nvSpPr>
+          <p:cNvPr id="9" name="Rectangle 8">
+            <a:extLst>
+              <a:ext uri="{FF2B5EF4-FFF2-40B4-BE49-F238E27FC236}">
+                <a16:creationId xmlns:a16="http://schemas.microsoft.com/office/drawing/2014/main" id="{EB08EB74-DE82-434F-BD47-14F8F7F17EBD}"/>
               </a:ext>
             </a:extLst>
           </p:cNvPr>
@@ -8022,8 +9173,8 @@
         </p:nvSpPr>
         <p:spPr>
           <a:xfrm>
-            <a:off x="581192" y="2779642"/>
-            <a:ext cx="4367694" cy="3070174"/>
+            <a:off x="384204" y="2574027"/>
+            <a:ext cx="4598564" cy="3581817"/>
           </a:xfrm>
           <a:prstGeom prst="rect">
             <a:avLst/>
@@ -8054,197 +9205,12 @@
           </a:p>
         </p:txBody>
       </p:sp>
-      <p:sp>
-        <p:nvSpPr>
-          <p:cNvPr id="2" name="Title 1">
+      <p:pic>
+        <p:nvPicPr>
+          <p:cNvPr id="10" name="Picture 2">
             <a:extLst>
               <a:ext uri="{FF2B5EF4-FFF2-40B4-BE49-F238E27FC236}">
-                <a16:creationId xmlns:a16="http://schemas.microsoft.com/office/drawing/2014/main" id="{F4847BFF-7693-C246-8383-931543C773B9}"/>
-              </a:ext>
-            </a:extLst>
-          </p:cNvPr>
-          <p:cNvSpPr>
-            <a:spLocks noGrp="1"/>
-          </p:cNvSpPr>
-          <p:nvPr>
-            <p:ph type="title"/>
-          </p:nvPr>
-        </p:nvSpPr>
-        <p:spPr>
-          <a:xfrm>
-            <a:off x="581192" y="702156"/>
-            <a:ext cx="11029616" cy="1013800"/>
-          </a:xfrm>
-        </p:spPr>
-        <p:txBody>
-          <a:bodyPr>
-            <a:normAutofit/>
-          </a:bodyPr>
-          <a:lstStyle/>
-          <a:p>
-            <a:r>
-              <a:rPr lang="en-US" dirty="0">
-                <a:solidFill>
-                  <a:srgbClr val="FFFFFF"/>
-                </a:solidFill>
-              </a:rPr>
-              <a:t>Modeling and Results</a:t>
-            </a:r>
-          </a:p>
-        </p:txBody>
-      </p:sp>
-      <p:sp>
-        <p:nvSpPr>
-          <p:cNvPr id="3" name="Content Placeholder 2">
-            <a:extLst>
-              <a:ext uri="{FF2B5EF4-FFF2-40B4-BE49-F238E27FC236}">
-                <a16:creationId xmlns:a16="http://schemas.microsoft.com/office/drawing/2014/main" id="{D64FD7A7-8065-8840-920B-E9254894BD7F}"/>
-              </a:ext>
-            </a:extLst>
-          </p:cNvPr>
-          <p:cNvSpPr>
-            <a:spLocks noGrp="1"/>
-          </p:cNvSpPr>
-          <p:nvPr>
-            <p:ph idx="1"/>
-          </p:nvPr>
-        </p:nvSpPr>
-        <p:spPr>
-          <a:xfrm>
-            <a:off x="5087815" y="2180496"/>
-            <a:ext cx="6522992" cy="4045683"/>
-          </a:xfrm>
-        </p:spPr>
-        <p:txBody>
-          <a:bodyPr>
-            <a:normAutofit/>
-          </a:bodyPr>
-          <a:lstStyle/>
-          <a:p>
-            <a:r>
-              <a:rPr lang="en-US" dirty="0"/>
-              <a:t>Grades are recoded to a binary outcome based on whether students pass or fail their courses (students who scored under 12 points failed)</a:t>
-            </a:r>
-          </a:p>
-          <a:p>
-            <a:r>
-              <a:rPr lang="en-US" dirty="0"/>
-              <a:t>Our model is trained on the student’s attributes and whether they passed their course</a:t>
-            </a:r>
-          </a:p>
-          <a:p>
-            <a:r>
-              <a:rPr lang="en-US" dirty="0"/>
-              <a:t>The odds of failing are 1.45 x higher with each additional absence from school</a:t>
-            </a:r>
-          </a:p>
-          <a:p>
-            <a:r>
-              <a:rPr lang="en-US" dirty="0"/>
-              <a:t>The odds of failing are 1.32 x higher with each additional absence from school</a:t>
-            </a:r>
-          </a:p>
-          <a:p>
-            <a:r>
-              <a:rPr lang="en-US" dirty="0"/>
-              <a:t>The odds of failing are 1.28 x higher among those who do not desire higher education</a:t>
-            </a:r>
-          </a:p>
-        </p:txBody>
-      </p:sp>
-      <p:sp>
-        <p:nvSpPr>
-          <p:cNvPr id="6" name="TextBox 5">
-            <a:extLst>
-              <a:ext uri="{FF2B5EF4-FFF2-40B4-BE49-F238E27FC236}">
-                <a16:creationId xmlns:a16="http://schemas.microsoft.com/office/drawing/2014/main" id="{4A69C4A5-3E15-B047-B401-3D6327E52F51}"/>
-              </a:ext>
-            </a:extLst>
-          </p:cNvPr>
-          <p:cNvSpPr txBox="1"/>
-          <p:nvPr/>
-        </p:nvSpPr>
-        <p:spPr>
-          <a:xfrm>
-            <a:off x="316523" y="6482861"/>
-            <a:ext cx="10351477" cy="276999"/>
-          </a:xfrm>
-          <a:prstGeom prst="rect">
-            <a:avLst/>
-          </a:prstGeom>
-          <a:noFill/>
-        </p:spPr>
-        <p:txBody>
-          <a:bodyPr wrap="square" rtlCol="0">
-            <a:spAutoFit/>
-          </a:bodyPr>
-          <a:lstStyle/>
-          <a:p>
-            <a:r>
-              <a:rPr lang="en-US" sz="1200" dirty="0"/>
-              <a:t>Data source:  https://</a:t>
-            </a:r>
-            <a:r>
-              <a:rPr lang="en-US" sz="1200" dirty="0" err="1"/>
-              <a:t>www.kaggle.com</a:t>
-            </a:r>
-            <a:r>
-              <a:rPr lang="en-US" sz="1200" dirty="0"/>
-              <a:t>/</a:t>
-            </a:r>
-            <a:r>
-              <a:rPr lang="en-US" sz="1200" dirty="0" err="1"/>
-              <a:t>impapan</a:t>
-            </a:r>
-            <a:r>
-              <a:rPr lang="en-US" sz="1200" dirty="0"/>
-              <a:t>/student-performance-data-set</a:t>
-            </a:r>
-          </a:p>
-        </p:txBody>
-      </p:sp>
-      <p:sp>
-        <p:nvSpPr>
-          <p:cNvPr id="5" name="TextBox 4">
-            <a:extLst>
-              <a:ext uri="{FF2B5EF4-FFF2-40B4-BE49-F238E27FC236}">
-                <a16:creationId xmlns:a16="http://schemas.microsoft.com/office/drawing/2014/main" id="{602965D2-2F1F-B546-9D43-8503C5101FA1}"/>
-              </a:ext>
-            </a:extLst>
-          </p:cNvPr>
-          <p:cNvSpPr txBox="1"/>
-          <p:nvPr/>
-        </p:nvSpPr>
-        <p:spPr>
-          <a:xfrm>
-            <a:off x="726218" y="2288905"/>
-            <a:ext cx="4083738" cy="369332"/>
-          </a:xfrm>
-          <a:prstGeom prst="rect">
-            <a:avLst/>
-          </a:prstGeom>
-          <a:noFill/>
-        </p:spPr>
-        <p:txBody>
-          <a:bodyPr wrap="square" rtlCol="0" anchor="ctr">
-            <a:spAutoFit/>
-          </a:bodyPr>
-          <a:lstStyle/>
-          <a:p>
-            <a:pPr algn="ctr"/>
-            <a:r>
-              <a:rPr lang="en-US" dirty="0"/>
-              <a:t>Distribution of Grades</a:t>
-            </a:r>
-          </a:p>
-        </p:txBody>
-      </p:sp>
-      <p:pic>
-        <p:nvPicPr>
-          <p:cNvPr id="2050" name="Picture 2">
-            <a:extLst>
-              <a:ext uri="{FF2B5EF4-FFF2-40B4-BE49-F238E27FC236}">
-                <a16:creationId xmlns:a16="http://schemas.microsoft.com/office/drawing/2014/main" id="{B4CE2474-9D96-5244-97A5-6572F348BE4C}"/>
+                <a16:creationId xmlns:a16="http://schemas.microsoft.com/office/drawing/2014/main" id="{406AF426-95B2-D946-820D-9EF65D5B8AF4}"/>
               </a:ext>
             </a:extLst>
           </p:cNvPr>
@@ -8268,8 +9234,8 @@
         </p:blipFill>
         <p:spPr bwMode="auto">
           <a:xfrm>
-            <a:off x="726218" y="2932929"/>
-            <a:ext cx="4083738" cy="2750487"/>
+            <a:off x="384204" y="2681820"/>
+            <a:ext cx="4530800" cy="3391317"/>
           </a:xfrm>
           <a:prstGeom prst="rect">
             <a:avLst/>
@@ -8330,8 +9296,8 @@
         </p:nvSpPr>
         <p:spPr>
           <a:xfrm>
-            <a:off x="690291" y="2658237"/>
-            <a:ext cx="4598564" cy="3581817"/>
+            <a:off x="1084389" y="2785953"/>
+            <a:ext cx="3963013" cy="3306806"/>
           </a:xfrm>
           <a:prstGeom prst="rect">
             <a:avLst/>
@@ -8396,7 +9362,7 @@
                   <a:srgbClr val="FFFFFF"/>
                 </a:solidFill>
               </a:rPr>
-              <a:t>Evaluation</a:t>
+              <a:t>Evaluation of model</a:t>
             </a:r>
           </a:p>
         </p:txBody>
@@ -8431,7 +9397,7 @@
           <a:p>
             <a:r>
               <a:rPr lang="en-US" dirty="0"/>
-              <a:t>Overall, our model correctly predicted students who passed and those who failed 72.1% of the time. </a:t>
+              <a:t>Overall, our model correctly predicted students who passed and those who failed 66.4% of the time. </a:t>
             </a:r>
           </a:p>
           <a:p>
@@ -8443,19 +9409,16 @@
           <a:p>
             <a:r>
               <a:rPr lang="en-US" dirty="0"/>
-              <a:t>Out of all the students who did fail, our model correctly predicted 71.9% of them</a:t>
-            </a:r>
-          </a:p>
-          <a:p>
-            <a:pPr marL="0" indent="0">
-              <a:buNone/>
-            </a:pPr>
+              <a:t>Out of all the students who did fail, our model correctly predicted 67.6% of them</a:t>
+            </a:r>
+          </a:p>
+          <a:p>
             <a:endParaRPr lang="en-US" dirty="0"/>
           </a:p>
           <a:p>
             <a:r>
               <a:rPr lang="en-US" dirty="0"/>
-              <a:t>While the model is much more accurate than just predicting through random chance, there is room for improvement</a:t>
+              <a:t>While the model is much more accurate than guessing at random chance, there is much room for improvement.</a:t>
             </a:r>
           </a:p>
         </p:txBody>
@@ -8661,8 +9624,8 @@
         </p:nvSpPr>
         <p:spPr>
           <a:xfrm>
-            <a:off x="902063" y="2288905"/>
-            <a:ext cx="4083738" cy="369332"/>
+            <a:off x="1006131" y="2262733"/>
+            <a:ext cx="4083738" cy="523220"/>
           </a:xfrm>
           <a:prstGeom prst="rect">
             <a:avLst/>
@@ -8677,8 +9640,15 @@
           <a:p>
             <a:pPr algn="ctr"/>
             <a:r>
-              <a:rPr lang="en-US" dirty="0"/>
+              <a:rPr lang="en-US" sz="1400" dirty="0"/>
               <a:t>Matrix of True and Predicted Grades</a:t>
+            </a:r>
+          </a:p>
+          <a:p>
+            <a:pPr algn="ctr"/>
+            <a:r>
+              <a:rPr lang="en-US" sz="1400" dirty="0"/>
+              <a:t>(1= Fail, 0=Pass)</a:t>
             </a:r>
           </a:p>
         </p:txBody>
@@ -8719,49 +9689,32 @@
       </p:sp>
       <p:pic>
         <p:nvPicPr>
-          <p:cNvPr id="3076" name="Picture 4">
+          <p:cNvPr id="11" name="Picture 10" descr="Chart&#10;&#10;Description automatically generated with low confidence">
             <a:extLst>
               <a:ext uri="{FF2B5EF4-FFF2-40B4-BE49-F238E27FC236}">
-                <a16:creationId xmlns:a16="http://schemas.microsoft.com/office/drawing/2014/main" id="{2DE4C097-70B8-6D4F-B94B-D1726A3DFF31}"/>
+                <a16:creationId xmlns:a16="http://schemas.microsoft.com/office/drawing/2014/main" id="{8563F0D2-2DA8-3C48-8D16-AF657AB9EE55}"/>
               </a:ext>
             </a:extLst>
           </p:cNvPr>
           <p:cNvPicPr>
-            <a:picLocks noChangeAspect="1" noChangeArrowheads="1"/>
+            <a:picLocks noChangeAspect="1"/>
           </p:cNvPicPr>
           <p:nvPr/>
         </p:nvPicPr>
         <p:blipFill>
-          <a:blip r:embed="rId2">
-            <a:extLst>
-              <a:ext uri="{28A0092B-C50C-407E-A947-70E740481C1C}">
-                <a14:useLocalDpi xmlns:a14="http://schemas.microsoft.com/office/drawing/2010/main" val="0"/>
-              </a:ext>
-            </a:extLst>
-          </a:blip>
-          <a:srcRect/>
+          <a:blip r:embed="rId2"/>
           <a:stretch>
             <a:fillRect/>
           </a:stretch>
         </p:blipFill>
-        <p:spPr bwMode="auto">
+        <p:spPr>
           <a:xfrm>
-            <a:off x="962732" y="2782951"/>
-            <a:ext cx="3962400" cy="3327400"/>
+            <a:off x="1225680" y="2855963"/>
+            <a:ext cx="3658168" cy="3071923"/>
           </a:xfrm>
           <a:prstGeom prst="rect">
             <a:avLst/>
           </a:prstGeom>
-          <a:noFill/>
-          <a:extLst>
-            <a:ext uri="{909E8E84-426E-40DD-AFC4-6F175D3DCCD1}">
-              <a14:hiddenFill xmlns:a14="http://schemas.microsoft.com/office/drawing/2010/main">
-                <a:solidFill>
-                  <a:srgbClr val="FFFFFF"/>
-                </a:solidFill>
-              </a14:hiddenFill>
-            </a:ext>
-          </a:extLst>
         </p:spPr>
       </p:pic>
     </p:spTree>
@@ -8778,6 +9731,1178 @@
 </file>
 
 <file path=ppt/slides/slide7.xml><?xml version="1.0" encoding="utf-8"?>
+<p:sld xmlns:a="http://schemas.openxmlformats.org/drawingml/2006/main" xmlns:r="http://schemas.openxmlformats.org/officeDocument/2006/relationships" xmlns:p="http://schemas.openxmlformats.org/presentationml/2006/main">
+  <p:cSld>
+    <p:spTree>
+      <p:nvGrpSpPr>
+        <p:cNvPr id="1" name=""/>
+        <p:cNvGrpSpPr/>
+        <p:nvPr/>
+      </p:nvGrpSpPr>
+      <p:grpSpPr>
+        <a:xfrm>
+          <a:off x="0" y="0"/>
+          <a:ext cx="0" cy="0"/>
+          <a:chOff x="0" y="0"/>
+          <a:chExt cx="0" cy="0"/>
+        </a:xfrm>
+      </p:grpSpPr>
+      <p:sp>
+        <p:nvSpPr>
+          <p:cNvPr id="15" name="Rectangle 14">
+            <a:extLst>
+              <a:ext uri="{FF2B5EF4-FFF2-40B4-BE49-F238E27FC236}">
+                <a16:creationId xmlns:a16="http://schemas.microsoft.com/office/drawing/2014/main" id="{C74694CB-EB75-CF43-BD3D-60B25723F9A5}"/>
+              </a:ext>
+            </a:extLst>
+          </p:cNvPr>
+          <p:cNvSpPr/>
+          <p:nvPr/>
+        </p:nvSpPr>
+        <p:spPr>
+          <a:xfrm>
+            <a:off x="784833" y="2658238"/>
+            <a:ext cx="4386792" cy="3144686"/>
+          </a:xfrm>
+          <a:prstGeom prst="rect">
+            <a:avLst/>
+          </a:prstGeom>
+        </p:spPr>
+        <p:style>
+          <a:lnRef idx="2">
+            <a:schemeClr val="accent1">
+              <a:shade val="50000"/>
+            </a:schemeClr>
+          </a:lnRef>
+          <a:fillRef idx="1">
+            <a:schemeClr val="accent1"/>
+          </a:fillRef>
+          <a:effectRef idx="0">
+            <a:schemeClr val="accent1"/>
+          </a:effectRef>
+          <a:fontRef idx="minor">
+            <a:schemeClr val="lt1"/>
+          </a:fontRef>
+        </p:style>
+        <p:txBody>
+          <a:bodyPr rtlCol="0" anchor="ctr"/>
+          <a:lstStyle/>
+          <a:p>
+            <a:pPr algn="ctr"/>
+            <a:endParaRPr lang="en-US"/>
+          </a:p>
+        </p:txBody>
+      </p:sp>
+      <p:sp>
+        <p:nvSpPr>
+          <p:cNvPr id="2" name="Title 1">
+            <a:extLst>
+              <a:ext uri="{FF2B5EF4-FFF2-40B4-BE49-F238E27FC236}">
+                <a16:creationId xmlns:a16="http://schemas.microsoft.com/office/drawing/2014/main" id="{F4847BFF-7693-C246-8383-931543C773B9}"/>
+              </a:ext>
+            </a:extLst>
+          </p:cNvPr>
+          <p:cNvSpPr>
+            <a:spLocks noGrp="1"/>
+          </p:cNvSpPr>
+          <p:nvPr>
+            <p:ph type="title"/>
+          </p:nvPr>
+        </p:nvSpPr>
+        <p:spPr>
+          <a:xfrm>
+            <a:off x="581192" y="702156"/>
+            <a:ext cx="11029616" cy="1013800"/>
+          </a:xfrm>
+        </p:spPr>
+        <p:txBody>
+          <a:bodyPr>
+            <a:normAutofit/>
+          </a:bodyPr>
+          <a:lstStyle/>
+          <a:p>
+            <a:r>
+              <a:rPr lang="en-US" dirty="0">
+                <a:solidFill>
+                  <a:srgbClr val="FFFFFF"/>
+                </a:solidFill>
+              </a:rPr>
+              <a:t>Effective Predictors</a:t>
+            </a:r>
+          </a:p>
+        </p:txBody>
+      </p:sp>
+      <p:sp>
+        <p:nvSpPr>
+          <p:cNvPr id="3" name="Content Placeholder 2">
+            <a:extLst>
+              <a:ext uri="{FF2B5EF4-FFF2-40B4-BE49-F238E27FC236}">
+                <a16:creationId xmlns:a16="http://schemas.microsoft.com/office/drawing/2014/main" id="{D64FD7A7-8065-8840-920B-E9254894BD7F}"/>
+              </a:ext>
+            </a:extLst>
+          </p:cNvPr>
+          <p:cNvSpPr>
+            <a:spLocks noGrp="1"/>
+          </p:cNvSpPr>
+          <p:nvPr>
+            <p:ph idx="1"/>
+          </p:nvPr>
+        </p:nvSpPr>
+        <p:spPr>
+          <a:xfrm>
+            <a:off x="5591909" y="2180496"/>
+            <a:ext cx="6018898" cy="4045683"/>
+          </a:xfrm>
+        </p:spPr>
+        <p:txBody>
+          <a:bodyPr>
+            <a:normAutofit/>
+          </a:bodyPr>
+          <a:lstStyle/>
+          <a:p>
+            <a:r>
+              <a:rPr lang="en-US" dirty="0"/>
+              <a:t>Certain predictors were heavily associated with an increased odds of failure</a:t>
+            </a:r>
+          </a:p>
+          <a:p>
+            <a:endParaRPr lang="en-US" dirty="0"/>
+          </a:p>
+          <a:p>
+            <a:r>
+              <a:rPr lang="en-US" dirty="0"/>
+              <a:t>Example:  Those who do not desire higher education have 1.21 times the odds of those who do desire a higher education of failing their courses.</a:t>
+            </a:r>
+          </a:p>
+        </p:txBody>
+      </p:sp>
+      <p:sp>
+        <p:nvSpPr>
+          <p:cNvPr id="4" name="Rectangle 3">
+            <a:extLst>
+              <a:ext uri="{FF2B5EF4-FFF2-40B4-BE49-F238E27FC236}">
+                <a16:creationId xmlns:a16="http://schemas.microsoft.com/office/drawing/2014/main" id="{622B1A38-7F78-F64C-9850-F8A52C62AB51}"/>
+              </a:ext>
+            </a:extLst>
+          </p:cNvPr>
+          <p:cNvSpPr/>
+          <p:nvPr/>
+        </p:nvSpPr>
+        <p:spPr>
+          <a:xfrm>
+            <a:off x="3048000" y="3105835"/>
+            <a:ext cx="6096000" cy="646331"/>
+          </a:xfrm>
+          <a:prstGeom prst="rect">
+            <a:avLst/>
+          </a:prstGeom>
+        </p:spPr>
+        <p:txBody>
+          <a:bodyPr>
+            <a:spAutoFit/>
+          </a:bodyPr>
+          <a:lstStyle/>
+          <a:p>
+            <a:br>
+              <a:rPr lang="en-US" dirty="0"/>
+            </a:br>
+            <a:endParaRPr lang="en-US" dirty="0"/>
+          </a:p>
+        </p:txBody>
+      </p:sp>
+      <p:sp>
+        <p:nvSpPr>
+          <p:cNvPr id="6" name="TextBox 5">
+            <a:extLst>
+              <a:ext uri="{FF2B5EF4-FFF2-40B4-BE49-F238E27FC236}">
+                <a16:creationId xmlns:a16="http://schemas.microsoft.com/office/drawing/2014/main" id="{4A69C4A5-3E15-B047-B401-3D6327E52F51}"/>
+              </a:ext>
+            </a:extLst>
+          </p:cNvPr>
+          <p:cNvSpPr txBox="1"/>
+          <p:nvPr/>
+        </p:nvSpPr>
+        <p:spPr>
+          <a:xfrm>
+            <a:off x="316523" y="6482861"/>
+            <a:ext cx="10351477" cy="276999"/>
+          </a:xfrm>
+          <a:prstGeom prst="rect">
+            <a:avLst/>
+          </a:prstGeom>
+          <a:noFill/>
+        </p:spPr>
+        <p:txBody>
+          <a:bodyPr wrap="square" rtlCol="0">
+            <a:spAutoFit/>
+          </a:bodyPr>
+          <a:lstStyle/>
+          <a:p>
+            <a:r>
+              <a:rPr lang="en-US" sz="1200" dirty="0"/>
+              <a:t>Data source:  https://</a:t>
+            </a:r>
+            <a:r>
+              <a:rPr lang="en-US" sz="1200" dirty="0" err="1"/>
+              <a:t>www.kaggle.com</a:t>
+            </a:r>
+            <a:r>
+              <a:rPr lang="en-US" sz="1200" dirty="0"/>
+              <a:t>/</a:t>
+            </a:r>
+            <a:r>
+              <a:rPr lang="en-US" sz="1200" dirty="0" err="1"/>
+              <a:t>impapan</a:t>
+            </a:r>
+            <a:r>
+              <a:rPr lang="en-US" sz="1200" dirty="0"/>
+              <a:t>/student-performance-data-set</a:t>
+            </a:r>
+          </a:p>
+        </p:txBody>
+      </p:sp>
+      <p:sp>
+        <p:nvSpPr>
+          <p:cNvPr id="5" name="Rectangle 4">
+            <a:extLst>
+              <a:ext uri="{FF2B5EF4-FFF2-40B4-BE49-F238E27FC236}">
+                <a16:creationId xmlns:a16="http://schemas.microsoft.com/office/drawing/2014/main" id="{5A7A8FE3-7C63-EE4B-9FB1-16869968F4F1}"/>
+              </a:ext>
+            </a:extLst>
+          </p:cNvPr>
+          <p:cNvSpPr/>
+          <p:nvPr/>
+        </p:nvSpPr>
+        <p:spPr>
+          <a:xfrm>
+            <a:off x="3048000" y="3105835"/>
+            <a:ext cx="6096000" cy="646331"/>
+          </a:xfrm>
+          <a:prstGeom prst="rect">
+            <a:avLst/>
+          </a:prstGeom>
+        </p:spPr>
+        <p:txBody>
+          <a:bodyPr>
+            <a:spAutoFit/>
+          </a:bodyPr>
+          <a:lstStyle/>
+          <a:p>
+            <a:br>
+              <a:rPr lang="en-US" dirty="0"/>
+            </a:br>
+            <a:endParaRPr lang="en-US" dirty="0"/>
+          </a:p>
+        </p:txBody>
+      </p:sp>
+      <p:sp>
+        <p:nvSpPr>
+          <p:cNvPr id="8" name="Rectangle 7">
+            <a:extLst>
+              <a:ext uri="{FF2B5EF4-FFF2-40B4-BE49-F238E27FC236}">
+                <a16:creationId xmlns:a16="http://schemas.microsoft.com/office/drawing/2014/main" id="{39360FC4-E898-8048-896B-4BFF6B299DFE}"/>
+              </a:ext>
+            </a:extLst>
+          </p:cNvPr>
+          <p:cNvSpPr/>
+          <p:nvPr/>
+        </p:nvSpPr>
+        <p:spPr>
+          <a:xfrm>
+            <a:off x="3048000" y="3105835"/>
+            <a:ext cx="6096000" cy="646331"/>
+          </a:xfrm>
+          <a:prstGeom prst="rect">
+            <a:avLst/>
+          </a:prstGeom>
+        </p:spPr>
+        <p:txBody>
+          <a:bodyPr>
+            <a:spAutoFit/>
+          </a:bodyPr>
+          <a:lstStyle/>
+          <a:p>
+            <a:br>
+              <a:rPr lang="en-US" dirty="0"/>
+            </a:br>
+            <a:endParaRPr lang="en-US" dirty="0"/>
+          </a:p>
+        </p:txBody>
+      </p:sp>
+      <p:sp>
+        <p:nvSpPr>
+          <p:cNvPr id="9" name="Rectangle 8">
+            <a:extLst>
+              <a:ext uri="{FF2B5EF4-FFF2-40B4-BE49-F238E27FC236}">
+                <a16:creationId xmlns:a16="http://schemas.microsoft.com/office/drawing/2014/main" id="{DBE5271D-C9FE-E643-AC32-27CB0586DD53}"/>
+              </a:ext>
+            </a:extLst>
+          </p:cNvPr>
+          <p:cNvSpPr/>
+          <p:nvPr/>
+        </p:nvSpPr>
+        <p:spPr>
+          <a:xfrm>
+            <a:off x="3048000" y="3105835"/>
+            <a:ext cx="6096000" cy="646331"/>
+          </a:xfrm>
+          <a:prstGeom prst="rect">
+            <a:avLst/>
+          </a:prstGeom>
+        </p:spPr>
+        <p:txBody>
+          <a:bodyPr>
+            <a:spAutoFit/>
+          </a:bodyPr>
+          <a:lstStyle/>
+          <a:p>
+            <a:br>
+              <a:rPr lang="en-US" dirty="0"/>
+            </a:br>
+            <a:endParaRPr lang="en-US" dirty="0"/>
+          </a:p>
+        </p:txBody>
+      </p:sp>
+      <p:sp>
+        <p:nvSpPr>
+          <p:cNvPr id="10" name="Rectangle 9">
+            <a:extLst>
+              <a:ext uri="{FF2B5EF4-FFF2-40B4-BE49-F238E27FC236}">
+                <a16:creationId xmlns:a16="http://schemas.microsoft.com/office/drawing/2014/main" id="{E2E5E6A1-56F6-084B-B1F3-39C9CB8BC87E}"/>
+              </a:ext>
+            </a:extLst>
+          </p:cNvPr>
+          <p:cNvSpPr/>
+          <p:nvPr/>
+        </p:nvSpPr>
+        <p:spPr>
+          <a:xfrm>
+            <a:off x="3048000" y="3105835"/>
+            <a:ext cx="6096000" cy="646331"/>
+          </a:xfrm>
+          <a:prstGeom prst="rect">
+            <a:avLst/>
+          </a:prstGeom>
+        </p:spPr>
+        <p:txBody>
+          <a:bodyPr>
+            <a:spAutoFit/>
+          </a:bodyPr>
+          <a:lstStyle/>
+          <a:p>
+            <a:br>
+              <a:rPr lang="en-US" dirty="0"/>
+            </a:br>
+            <a:endParaRPr lang="en-US" dirty="0"/>
+          </a:p>
+        </p:txBody>
+      </p:sp>
+      <p:graphicFrame>
+        <p:nvGraphicFramePr>
+          <p:cNvPr id="14" name="Table 13">
+            <a:extLst>
+              <a:ext uri="{FF2B5EF4-FFF2-40B4-BE49-F238E27FC236}">
+                <a16:creationId xmlns:a16="http://schemas.microsoft.com/office/drawing/2014/main" id="{3426EE60-DA49-4040-BDBD-4AA2A9167E48}"/>
+              </a:ext>
+            </a:extLst>
+          </p:cNvPr>
+          <p:cNvGraphicFramePr>
+            <a:graphicFrameLocks noGrp="1"/>
+          </p:cNvGraphicFramePr>
+          <p:nvPr>
+            <p:extLst>
+              <p:ext uri="{D42A27DB-BD31-4B8C-83A1-F6EECF244321}">
+                <p14:modId xmlns:p14="http://schemas.microsoft.com/office/powerpoint/2010/main" val="2572186534"/>
+              </p:ext>
+            </p:extLst>
+          </p:nvPr>
+        </p:nvGraphicFramePr>
+        <p:xfrm>
+          <a:off x="902063" y="2801546"/>
+          <a:ext cx="4145574" cy="2878110"/>
+        </p:xfrm>
+        <a:graphic>
+          <a:graphicData uri="http://schemas.openxmlformats.org/drawingml/2006/table">
+            <a:tbl>
+              <a:tblPr>
+                <a:tableStyleId>{2D5ABB26-0587-4C30-8999-92F81FD0307C}</a:tableStyleId>
+              </a:tblPr>
+              <a:tblGrid>
+                <a:gridCol w="2072787">
+                  <a:extLst>
+                    <a:ext uri="{9D8B030D-6E8A-4147-A177-3AD203B41FA5}">
+                      <a16:colId xmlns:a16="http://schemas.microsoft.com/office/drawing/2014/main" val="2287528706"/>
+                    </a:ext>
+                  </a:extLst>
+                </a:gridCol>
+                <a:gridCol w="2072787">
+                  <a:extLst>
+                    <a:ext uri="{9D8B030D-6E8A-4147-A177-3AD203B41FA5}">
+                      <a16:colId xmlns:a16="http://schemas.microsoft.com/office/drawing/2014/main" val="2143409190"/>
+                    </a:ext>
+                  </a:extLst>
+                </a:gridCol>
+              </a:tblGrid>
+              <a:tr h="447606">
+                <a:tc>
+                  <a:txBody>
+                    <a:bodyPr/>
+                    <a:lstStyle/>
+                    <a:p>
+                      <a:pPr algn="ctr" fontAlgn="ctr"/>
+                      <a:r>
+                        <a:rPr lang="en-US" b="1" dirty="0">
+                          <a:solidFill>
+                            <a:schemeClr val="bg1"/>
+                          </a:solidFill>
+                          <a:effectLst/>
+                        </a:rPr>
+                        <a:t>Attribute</a:t>
+                      </a:r>
+                    </a:p>
+                  </a:txBody>
+                  <a:tcPr anchor="ctr">
+                    <a:lnL w="12700" cap="flat" cmpd="sng" algn="ctr">
+                      <a:solidFill>
+                        <a:schemeClr val="tx1"/>
+                      </a:solidFill>
+                      <a:prstDash val="solid"/>
+                      <a:round/>
+                      <a:headEnd type="none" w="med" len="med"/>
+                      <a:tailEnd type="none" w="med" len="med"/>
+                    </a:lnL>
+                    <a:lnR w="12700" cap="flat" cmpd="sng" algn="ctr">
+                      <a:solidFill>
+                        <a:schemeClr val="tx1"/>
+                      </a:solidFill>
+                      <a:prstDash val="solid"/>
+                      <a:round/>
+                      <a:headEnd type="none" w="med" len="med"/>
+                      <a:tailEnd type="none" w="med" len="med"/>
+                    </a:lnR>
+                    <a:lnT w="12700" cap="flat" cmpd="sng" algn="ctr">
+                      <a:solidFill>
+                        <a:schemeClr val="tx1"/>
+                      </a:solidFill>
+                      <a:prstDash val="solid"/>
+                      <a:round/>
+                      <a:headEnd type="none" w="med" len="med"/>
+                      <a:tailEnd type="none" w="med" len="med"/>
+                    </a:lnT>
+                    <a:lnB w="12700" cap="flat" cmpd="sng" algn="ctr">
+                      <a:solidFill>
+                        <a:schemeClr val="tx1"/>
+                      </a:solidFill>
+                      <a:prstDash val="solid"/>
+                      <a:round/>
+                      <a:headEnd type="none" w="med" len="med"/>
+                      <a:tailEnd type="none" w="med" len="med"/>
+                    </a:lnB>
+                  </a:tcPr>
+                </a:tc>
+                <a:tc>
+                  <a:txBody>
+                    <a:bodyPr/>
+                    <a:lstStyle/>
+                    <a:p>
+                      <a:pPr algn="ctr" fontAlgn="ctr"/>
+                      <a:r>
+                        <a:rPr lang="en-US" b="1" dirty="0">
+                          <a:solidFill>
+                            <a:schemeClr val="bg1"/>
+                          </a:solidFill>
+                          <a:effectLst/>
+                        </a:rPr>
+                        <a:t>Increased Odds of Failure</a:t>
+                      </a:r>
+                    </a:p>
+                  </a:txBody>
+                  <a:tcPr anchor="ctr">
+                    <a:lnL w="12700" cap="flat" cmpd="sng" algn="ctr">
+                      <a:solidFill>
+                        <a:schemeClr val="tx1"/>
+                      </a:solidFill>
+                      <a:prstDash val="solid"/>
+                      <a:round/>
+                      <a:headEnd type="none" w="med" len="med"/>
+                      <a:tailEnd type="none" w="med" len="med"/>
+                    </a:lnL>
+                    <a:lnR w="12700" cap="flat" cmpd="sng" algn="ctr">
+                      <a:solidFill>
+                        <a:schemeClr val="tx1"/>
+                      </a:solidFill>
+                      <a:prstDash val="solid"/>
+                      <a:round/>
+                      <a:headEnd type="none" w="med" len="med"/>
+                      <a:tailEnd type="none" w="med" len="med"/>
+                    </a:lnR>
+                    <a:lnT w="12700" cap="flat" cmpd="sng" algn="ctr">
+                      <a:solidFill>
+                        <a:schemeClr val="tx1"/>
+                      </a:solidFill>
+                      <a:prstDash val="solid"/>
+                      <a:round/>
+                      <a:headEnd type="none" w="med" len="med"/>
+                      <a:tailEnd type="none" w="med" len="med"/>
+                    </a:lnT>
+                    <a:lnB w="12700" cap="flat" cmpd="sng" algn="ctr">
+                      <a:solidFill>
+                        <a:schemeClr val="tx1"/>
+                      </a:solidFill>
+                      <a:prstDash val="solid"/>
+                      <a:round/>
+                      <a:headEnd type="none" w="med" len="med"/>
+                      <a:tailEnd type="none" w="med" len="med"/>
+                    </a:lnB>
+                  </a:tcPr>
+                </a:tc>
+                <a:extLst>
+                  <a:ext uri="{0D108BD9-81ED-4DB2-BD59-A6C34878D82A}">
+                    <a16:rowId xmlns:a16="http://schemas.microsoft.com/office/drawing/2014/main" val="3704868786"/>
+                  </a:ext>
+                </a:extLst>
+              </a:tr>
+              <a:tr h="447606">
+                <a:tc>
+                  <a:txBody>
+                    <a:bodyPr/>
+                    <a:lstStyle/>
+                    <a:p>
+                      <a:pPr algn="l" fontAlgn="ctr"/>
+                      <a:r>
+                        <a:rPr lang="en-US" sz="1050" b="0" dirty="0">
+                          <a:solidFill>
+                            <a:schemeClr val="bg1"/>
+                          </a:solidFill>
+                          <a:effectLst/>
+                        </a:rPr>
+                        <a:t>Absences</a:t>
+                      </a:r>
+                      <a:endParaRPr lang="en-US" sz="1050" b="0" dirty="0">
+                        <a:solidFill>
+                          <a:schemeClr val="bg1"/>
+                        </a:solidFill>
+                        <a:effectLst/>
+                        <a:latin typeface="PT Sans" panose="020B0503020203020204" pitchFamily="34" charset="77"/>
+                      </a:endParaRPr>
+                    </a:p>
+                  </a:txBody>
+                  <a:tcPr anchor="ctr">
+                    <a:lnL w="12700" cap="flat" cmpd="sng" algn="ctr">
+                      <a:solidFill>
+                        <a:schemeClr val="tx1"/>
+                      </a:solidFill>
+                      <a:prstDash val="solid"/>
+                      <a:round/>
+                      <a:headEnd type="none" w="med" len="med"/>
+                      <a:tailEnd type="none" w="med" len="med"/>
+                    </a:lnL>
+                    <a:lnR w="12700" cap="flat" cmpd="sng" algn="ctr">
+                      <a:solidFill>
+                        <a:schemeClr val="tx1"/>
+                      </a:solidFill>
+                      <a:prstDash val="solid"/>
+                      <a:round/>
+                      <a:headEnd type="none" w="med" len="med"/>
+                      <a:tailEnd type="none" w="med" len="med"/>
+                    </a:lnR>
+                    <a:lnT w="12700" cap="flat" cmpd="sng" algn="ctr">
+                      <a:solidFill>
+                        <a:schemeClr val="tx1"/>
+                      </a:solidFill>
+                      <a:prstDash val="solid"/>
+                      <a:round/>
+                      <a:headEnd type="none" w="med" len="med"/>
+                      <a:tailEnd type="none" w="med" len="med"/>
+                    </a:lnT>
+                    <a:lnB w="12700" cap="flat" cmpd="sng" algn="ctr">
+                      <a:solidFill>
+                        <a:schemeClr val="tx1"/>
+                      </a:solidFill>
+                      <a:prstDash val="solid"/>
+                      <a:round/>
+                      <a:headEnd type="none" w="med" len="med"/>
+                      <a:tailEnd type="none" w="med" len="med"/>
+                    </a:lnB>
+                  </a:tcPr>
+                </a:tc>
+                <a:tc>
+                  <a:txBody>
+                    <a:bodyPr/>
+                    <a:lstStyle/>
+                    <a:p>
+                      <a:pPr algn="l" fontAlgn="ctr"/>
+                      <a:r>
+                        <a:rPr lang="en-US" sz="1050" b="0" dirty="0">
+                          <a:solidFill>
+                            <a:schemeClr val="bg1"/>
+                          </a:solidFill>
+                          <a:effectLst/>
+                          <a:latin typeface="PT Sans" panose="020B0503020203020204" pitchFamily="34" charset="77"/>
+                        </a:rPr>
+                        <a:t>1.46 x</a:t>
+                      </a:r>
+                    </a:p>
+                  </a:txBody>
+                  <a:tcPr anchor="ctr">
+                    <a:lnL w="12700" cap="flat" cmpd="sng" algn="ctr">
+                      <a:solidFill>
+                        <a:schemeClr val="tx1"/>
+                      </a:solidFill>
+                      <a:prstDash val="solid"/>
+                      <a:round/>
+                      <a:headEnd type="none" w="med" len="med"/>
+                      <a:tailEnd type="none" w="med" len="med"/>
+                    </a:lnL>
+                    <a:lnR w="12700" cap="flat" cmpd="sng" algn="ctr">
+                      <a:solidFill>
+                        <a:schemeClr val="tx1"/>
+                      </a:solidFill>
+                      <a:prstDash val="solid"/>
+                      <a:round/>
+                      <a:headEnd type="none" w="med" len="med"/>
+                      <a:tailEnd type="none" w="med" len="med"/>
+                    </a:lnR>
+                    <a:lnT w="12700" cap="flat" cmpd="sng" algn="ctr">
+                      <a:solidFill>
+                        <a:schemeClr val="tx1"/>
+                      </a:solidFill>
+                      <a:prstDash val="solid"/>
+                      <a:round/>
+                      <a:headEnd type="none" w="med" len="med"/>
+                      <a:tailEnd type="none" w="med" len="med"/>
+                    </a:lnT>
+                    <a:lnB w="12700" cap="flat" cmpd="sng" algn="ctr">
+                      <a:solidFill>
+                        <a:schemeClr val="tx1"/>
+                      </a:solidFill>
+                      <a:prstDash val="solid"/>
+                      <a:round/>
+                      <a:headEnd type="none" w="med" len="med"/>
+                      <a:tailEnd type="none" w="med" len="med"/>
+                    </a:lnB>
+                  </a:tcPr>
+                </a:tc>
+                <a:extLst>
+                  <a:ext uri="{0D108BD9-81ED-4DB2-BD59-A6C34878D82A}">
+                    <a16:rowId xmlns:a16="http://schemas.microsoft.com/office/drawing/2014/main" val="3059117016"/>
+                  </a:ext>
+                </a:extLst>
+              </a:tr>
+              <a:tr h="447606">
+                <a:tc>
+                  <a:txBody>
+                    <a:bodyPr/>
+                    <a:lstStyle/>
+                    <a:p>
+                      <a:pPr algn="l" fontAlgn="ctr"/>
+                      <a:r>
+                        <a:rPr lang="en-US" sz="1050" b="0" dirty="0">
+                          <a:solidFill>
+                            <a:schemeClr val="bg1"/>
+                          </a:solidFill>
+                          <a:effectLst/>
+                          <a:latin typeface="PT Sans" panose="020B0503020203020204" pitchFamily="34" charset="77"/>
+                        </a:rPr>
+                        <a:t>School Support = No</a:t>
+                      </a:r>
+                    </a:p>
+                  </a:txBody>
+                  <a:tcPr anchor="ctr">
+                    <a:lnL w="12700" cap="flat" cmpd="sng" algn="ctr">
+                      <a:solidFill>
+                        <a:schemeClr val="tx1"/>
+                      </a:solidFill>
+                      <a:prstDash val="solid"/>
+                      <a:round/>
+                      <a:headEnd type="none" w="med" len="med"/>
+                      <a:tailEnd type="none" w="med" len="med"/>
+                    </a:lnL>
+                    <a:lnR w="12700" cap="flat" cmpd="sng" algn="ctr">
+                      <a:solidFill>
+                        <a:schemeClr val="tx1"/>
+                      </a:solidFill>
+                      <a:prstDash val="solid"/>
+                      <a:round/>
+                      <a:headEnd type="none" w="med" len="med"/>
+                      <a:tailEnd type="none" w="med" len="med"/>
+                    </a:lnR>
+                    <a:lnT w="12700" cap="flat" cmpd="sng" algn="ctr">
+                      <a:solidFill>
+                        <a:schemeClr val="tx1"/>
+                      </a:solidFill>
+                      <a:prstDash val="solid"/>
+                      <a:round/>
+                      <a:headEnd type="none" w="med" len="med"/>
+                      <a:tailEnd type="none" w="med" len="med"/>
+                    </a:lnT>
+                    <a:lnB w="12700" cap="flat" cmpd="sng" algn="ctr">
+                      <a:solidFill>
+                        <a:schemeClr val="tx1"/>
+                      </a:solidFill>
+                      <a:prstDash val="solid"/>
+                      <a:round/>
+                      <a:headEnd type="none" w="med" len="med"/>
+                      <a:tailEnd type="none" w="med" len="med"/>
+                    </a:lnB>
+                  </a:tcPr>
+                </a:tc>
+                <a:tc>
+                  <a:txBody>
+                    <a:bodyPr/>
+                    <a:lstStyle/>
+                    <a:p>
+                      <a:pPr algn="l" fontAlgn="ctr"/>
+                      <a:r>
+                        <a:rPr lang="en-US" sz="1050" b="0" dirty="0">
+                          <a:solidFill>
+                            <a:schemeClr val="bg1"/>
+                          </a:solidFill>
+                          <a:effectLst/>
+                          <a:latin typeface="PT Sans" panose="020B0503020203020204" pitchFamily="34" charset="77"/>
+                        </a:rPr>
+                        <a:t>1.28 x</a:t>
+                      </a:r>
+                    </a:p>
+                  </a:txBody>
+                  <a:tcPr anchor="ctr">
+                    <a:lnL w="12700" cap="flat" cmpd="sng" algn="ctr">
+                      <a:solidFill>
+                        <a:schemeClr val="tx1"/>
+                      </a:solidFill>
+                      <a:prstDash val="solid"/>
+                      <a:round/>
+                      <a:headEnd type="none" w="med" len="med"/>
+                      <a:tailEnd type="none" w="med" len="med"/>
+                    </a:lnL>
+                    <a:lnR w="12700" cap="flat" cmpd="sng" algn="ctr">
+                      <a:solidFill>
+                        <a:schemeClr val="tx1"/>
+                      </a:solidFill>
+                      <a:prstDash val="solid"/>
+                      <a:round/>
+                      <a:headEnd type="none" w="med" len="med"/>
+                      <a:tailEnd type="none" w="med" len="med"/>
+                    </a:lnR>
+                    <a:lnT w="12700" cap="flat" cmpd="sng" algn="ctr">
+                      <a:solidFill>
+                        <a:schemeClr val="tx1"/>
+                      </a:solidFill>
+                      <a:prstDash val="solid"/>
+                      <a:round/>
+                      <a:headEnd type="none" w="med" len="med"/>
+                      <a:tailEnd type="none" w="med" len="med"/>
+                    </a:lnT>
+                    <a:lnB w="12700" cap="flat" cmpd="sng" algn="ctr">
+                      <a:solidFill>
+                        <a:schemeClr val="tx1"/>
+                      </a:solidFill>
+                      <a:prstDash val="solid"/>
+                      <a:round/>
+                      <a:headEnd type="none" w="med" len="med"/>
+                      <a:tailEnd type="none" w="med" len="med"/>
+                    </a:lnB>
+                  </a:tcPr>
+                </a:tc>
+                <a:extLst>
+                  <a:ext uri="{0D108BD9-81ED-4DB2-BD59-A6C34878D82A}">
+                    <a16:rowId xmlns:a16="http://schemas.microsoft.com/office/drawing/2014/main" val="3067134296"/>
+                  </a:ext>
+                </a:extLst>
+              </a:tr>
+              <a:tr h="447606">
+                <a:tc>
+                  <a:txBody>
+                    <a:bodyPr/>
+                    <a:lstStyle/>
+                    <a:p>
+                      <a:pPr algn="l" fontAlgn="ctr"/>
+                      <a:r>
+                        <a:rPr lang="en-US" sz="1050" b="0" dirty="0">
+                          <a:solidFill>
+                            <a:schemeClr val="bg1"/>
+                          </a:solidFill>
+                          <a:effectLst/>
+                        </a:rPr>
+                        <a:t>Does Not Desire Higher Education</a:t>
+                      </a:r>
+                      <a:endParaRPr lang="en-US" sz="1050" b="0" dirty="0">
+                        <a:solidFill>
+                          <a:schemeClr val="bg1"/>
+                        </a:solidFill>
+                        <a:effectLst/>
+                        <a:latin typeface="PT Sans" panose="020B0503020203020204" pitchFamily="34" charset="77"/>
+                      </a:endParaRPr>
+                    </a:p>
+                  </a:txBody>
+                  <a:tcPr anchor="ctr">
+                    <a:lnL w="12700" cap="flat" cmpd="sng" algn="ctr">
+                      <a:solidFill>
+                        <a:schemeClr val="tx1"/>
+                      </a:solidFill>
+                      <a:prstDash val="solid"/>
+                      <a:round/>
+                      <a:headEnd type="none" w="med" len="med"/>
+                      <a:tailEnd type="none" w="med" len="med"/>
+                    </a:lnL>
+                    <a:lnR w="12700" cap="flat" cmpd="sng" algn="ctr">
+                      <a:solidFill>
+                        <a:schemeClr val="tx1"/>
+                      </a:solidFill>
+                      <a:prstDash val="solid"/>
+                      <a:round/>
+                      <a:headEnd type="none" w="med" len="med"/>
+                      <a:tailEnd type="none" w="med" len="med"/>
+                    </a:lnR>
+                    <a:lnT w="12700" cap="flat" cmpd="sng" algn="ctr">
+                      <a:solidFill>
+                        <a:schemeClr val="tx1"/>
+                      </a:solidFill>
+                      <a:prstDash val="solid"/>
+                      <a:round/>
+                      <a:headEnd type="none" w="med" len="med"/>
+                      <a:tailEnd type="none" w="med" len="med"/>
+                    </a:lnT>
+                    <a:lnB w="12700" cap="flat" cmpd="sng" algn="ctr">
+                      <a:solidFill>
+                        <a:schemeClr val="tx1"/>
+                      </a:solidFill>
+                      <a:prstDash val="solid"/>
+                      <a:round/>
+                      <a:headEnd type="none" w="med" len="med"/>
+                      <a:tailEnd type="none" w="med" len="med"/>
+                    </a:lnB>
+                  </a:tcPr>
+                </a:tc>
+                <a:tc>
+                  <a:txBody>
+                    <a:bodyPr/>
+                    <a:lstStyle/>
+                    <a:p>
+                      <a:pPr algn="l" fontAlgn="ctr"/>
+                      <a:r>
+                        <a:rPr lang="en-US" sz="1050" b="0" dirty="0">
+                          <a:solidFill>
+                            <a:schemeClr val="bg1"/>
+                          </a:solidFill>
+                          <a:effectLst/>
+                          <a:latin typeface="PT Sans" panose="020B0503020203020204" pitchFamily="34" charset="77"/>
+                        </a:rPr>
+                        <a:t>1.21 x</a:t>
+                      </a:r>
+                    </a:p>
+                  </a:txBody>
+                  <a:tcPr anchor="ctr">
+                    <a:lnL w="12700" cap="flat" cmpd="sng" algn="ctr">
+                      <a:solidFill>
+                        <a:schemeClr val="tx1"/>
+                      </a:solidFill>
+                      <a:prstDash val="solid"/>
+                      <a:round/>
+                      <a:headEnd type="none" w="med" len="med"/>
+                      <a:tailEnd type="none" w="med" len="med"/>
+                    </a:lnL>
+                    <a:lnR w="12700" cap="flat" cmpd="sng" algn="ctr">
+                      <a:solidFill>
+                        <a:schemeClr val="tx1"/>
+                      </a:solidFill>
+                      <a:prstDash val="solid"/>
+                      <a:round/>
+                      <a:headEnd type="none" w="med" len="med"/>
+                      <a:tailEnd type="none" w="med" len="med"/>
+                    </a:lnR>
+                    <a:lnT w="12700" cap="flat" cmpd="sng" algn="ctr">
+                      <a:solidFill>
+                        <a:schemeClr val="tx1"/>
+                      </a:solidFill>
+                      <a:prstDash val="solid"/>
+                      <a:round/>
+                      <a:headEnd type="none" w="med" len="med"/>
+                      <a:tailEnd type="none" w="med" len="med"/>
+                    </a:lnT>
+                    <a:lnB w="12700" cap="flat" cmpd="sng" algn="ctr">
+                      <a:solidFill>
+                        <a:schemeClr val="tx1"/>
+                      </a:solidFill>
+                      <a:prstDash val="solid"/>
+                      <a:round/>
+                      <a:headEnd type="none" w="med" len="med"/>
+                      <a:tailEnd type="none" w="med" len="med"/>
+                    </a:lnB>
+                  </a:tcPr>
+                </a:tc>
+                <a:extLst>
+                  <a:ext uri="{0D108BD9-81ED-4DB2-BD59-A6C34878D82A}">
+                    <a16:rowId xmlns:a16="http://schemas.microsoft.com/office/drawing/2014/main" val="2104135800"/>
+                  </a:ext>
+                </a:extLst>
+              </a:tr>
+              <a:tr h="447606">
+                <a:tc>
+                  <a:txBody>
+                    <a:bodyPr/>
+                    <a:lstStyle/>
+                    <a:p>
+                      <a:pPr algn="l" fontAlgn="ctr"/>
+                      <a:r>
+                        <a:rPr lang="en-US" sz="1050" b="0" dirty="0">
+                          <a:solidFill>
+                            <a:schemeClr val="bg1"/>
+                          </a:solidFill>
+                          <a:effectLst/>
+                          <a:latin typeface="PT Sans" panose="020B0503020203020204" pitchFamily="34" charset="77"/>
+                        </a:rPr>
+                        <a:t>Father has Lower Education</a:t>
+                      </a:r>
+                    </a:p>
+                  </a:txBody>
+                  <a:tcPr anchor="ctr">
+                    <a:lnL w="12700" cap="flat" cmpd="sng" algn="ctr">
+                      <a:solidFill>
+                        <a:schemeClr val="tx1"/>
+                      </a:solidFill>
+                      <a:prstDash val="solid"/>
+                      <a:round/>
+                      <a:headEnd type="none" w="med" len="med"/>
+                      <a:tailEnd type="none" w="med" len="med"/>
+                    </a:lnL>
+                    <a:lnR w="12700" cap="flat" cmpd="sng" algn="ctr">
+                      <a:solidFill>
+                        <a:schemeClr val="tx1"/>
+                      </a:solidFill>
+                      <a:prstDash val="solid"/>
+                      <a:round/>
+                      <a:headEnd type="none" w="med" len="med"/>
+                      <a:tailEnd type="none" w="med" len="med"/>
+                    </a:lnR>
+                    <a:lnT w="12700" cap="flat" cmpd="sng" algn="ctr">
+                      <a:solidFill>
+                        <a:schemeClr val="tx1"/>
+                      </a:solidFill>
+                      <a:prstDash val="solid"/>
+                      <a:round/>
+                      <a:headEnd type="none" w="med" len="med"/>
+                      <a:tailEnd type="none" w="med" len="med"/>
+                    </a:lnT>
+                    <a:lnB w="12700" cap="flat" cmpd="sng" algn="ctr">
+                      <a:solidFill>
+                        <a:schemeClr val="tx1"/>
+                      </a:solidFill>
+                      <a:prstDash val="solid"/>
+                      <a:round/>
+                      <a:headEnd type="none" w="med" len="med"/>
+                      <a:tailEnd type="none" w="med" len="med"/>
+                    </a:lnB>
+                  </a:tcPr>
+                </a:tc>
+                <a:tc>
+                  <a:txBody>
+                    <a:bodyPr/>
+                    <a:lstStyle/>
+                    <a:p>
+                      <a:pPr algn="l" fontAlgn="ctr"/>
+                      <a:r>
+                        <a:rPr lang="en-US" sz="1050" b="0" dirty="0">
+                          <a:solidFill>
+                            <a:schemeClr val="bg1"/>
+                          </a:solidFill>
+                          <a:effectLst/>
+                          <a:latin typeface="PT Sans" panose="020B0503020203020204" pitchFamily="34" charset="77"/>
+                        </a:rPr>
+                        <a:t>1.18 x</a:t>
+                      </a:r>
+                    </a:p>
+                  </a:txBody>
+                  <a:tcPr anchor="ctr">
+                    <a:lnL w="12700" cap="flat" cmpd="sng" algn="ctr">
+                      <a:solidFill>
+                        <a:schemeClr val="tx1"/>
+                      </a:solidFill>
+                      <a:prstDash val="solid"/>
+                      <a:round/>
+                      <a:headEnd type="none" w="med" len="med"/>
+                      <a:tailEnd type="none" w="med" len="med"/>
+                    </a:lnL>
+                    <a:lnR w="12700" cap="flat" cmpd="sng" algn="ctr">
+                      <a:solidFill>
+                        <a:schemeClr val="tx1"/>
+                      </a:solidFill>
+                      <a:prstDash val="solid"/>
+                      <a:round/>
+                      <a:headEnd type="none" w="med" len="med"/>
+                      <a:tailEnd type="none" w="med" len="med"/>
+                    </a:lnR>
+                    <a:lnT w="12700" cap="flat" cmpd="sng" algn="ctr">
+                      <a:solidFill>
+                        <a:schemeClr val="tx1"/>
+                      </a:solidFill>
+                      <a:prstDash val="solid"/>
+                      <a:round/>
+                      <a:headEnd type="none" w="med" len="med"/>
+                      <a:tailEnd type="none" w="med" len="med"/>
+                    </a:lnT>
+                    <a:lnB w="12700" cap="flat" cmpd="sng" algn="ctr">
+                      <a:solidFill>
+                        <a:schemeClr val="tx1"/>
+                      </a:solidFill>
+                      <a:prstDash val="solid"/>
+                      <a:round/>
+                      <a:headEnd type="none" w="med" len="med"/>
+                      <a:tailEnd type="none" w="med" len="med"/>
+                    </a:lnB>
+                  </a:tcPr>
+                </a:tc>
+                <a:extLst>
+                  <a:ext uri="{0D108BD9-81ED-4DB2-BD59-A6C34878D82A}">
+                    <a16:rowId xmlns:a16="http://schemas.microsoft.com/office/drawing/2014/main" val="4213262779"/>
+                  </a:ext>
+                </a:extLst>
+              </a:tr>
+              <a:tr h="447606">
+                <a:tc>
+                  <a:txBody>
+                    <a:bodyPr/>
+                    <a:lstStyle/>
+                    <a:p>
+                      <a:pPr algn="l" fontAlgn="ctr"/>
+                      <a:r>
+                        <a:rPr lang="en-US" sz="1050" b="0" dirty="0">
+                          <a:solidFill>
+                            <a:schemeClr val="bg1"/>
+                          </a:solidFill>
+                          <a:effectLst/>
+                        </a:rPr>
+                        <a:t>Mother has Lower Education</a:t>
+                      </a:r>
+                      <a:endParaRPr lang="en-US" sz="1050" b="0" dirty="0">
+                        <a:solidFill>
+                          <a:schemeClr val="bg1"/>
+                        </a:solidFill>
+                        <a:effectLst/>
+                        <a:latin typeface="PT Sans" panose="020B0503020203020204" pitchFamily="34" charset="77"/>
+                      </a:endParaRPr>
+                    </a:p>
+                  </a:txBody>
+                  <a:tcPr anchor="ctr">
+                    <a:lnL w="12700" cap="flat" cmpd="sng" algn="ctr">
+                      <a:solidFill>
+                        <a:schemeClr val="tx1"/>
+                      </a:solidFill>
+                      <a:prstDash val="solid"/>
+                      <a:round/>
+                      <a:headEnd type="none" w="med" len="med"/>
+                      <a:tailEnd type="none" w="med" len="med"/>
+                    </a:lnL>
+                    <a:lnR w="12700" cap="flat" cmpd="sng" algn="ctr">
+                      <a:solidFill>
+                        <a:schemeClr val="tx1"/>
+                      </a:solidFill>
+                      <a:prstDash val="solid"/>
+                      <a:round/>
+                      <a:headEnd type="none" w="med" len="med"/>
+                      <a:tailEnd type="none" w="med" len="med"/>
+                    </a:lnR>
+                    <a:lnT w="12700" cap="flat" cmpd="sng" algn="ctr">
+                      <a:solidFill>
+                        <a:schemeClr val="tx1"/>
+                      </a:solidFill>
+                      <a:prstDash val="solid"/>
+                      <a:round/>
+                      <a:headEnd type="none" w="med" len="med"/>
+                      <a:tailEnd type="none" w="med" len="med"/>
+                    </a:lnT>
+                    <a:lnB w="12700" cap="flat" cmpd="sng" algn="ctr">
+                      <a:solidFill>
+                        <a:schemeClr val="tx1"/>
+                      </a:solidFill>
+                      <a:prstDash val="solid"/>
+                      <a:round/>
+                      <a:headEnd type="none" w="med" len="med"/>
+                      <a:tailEnd type="none" w="med" len="med"/>
+                    </a:lnB>
+                  </a:tcPr>
+                </a:tc>
+                <a:tc>
+                  <a:txBody>
+                    <a:bodyPr/>
+                    <a:lstStyle/>
+                    <a:p>
+                      <a:pPr algn="l" fontAlgn="ctr"/>
+                      <a:r>
+                        <a:rPr lang="en-US" sz="1050" b="0" dirty="0">
+                          <a:solidFill>
+                            <a:schemeClr val="bg1"/>
+                          </a:solidFill>
+                          <a:effectLst/>
+                          <a:latin typeface="PT Sans" panose="020B0503020203020204" pitchFamily="34" charset="77"/>
+                        </a:rPr>
+                        <a:t>1.27x</a:t>
+                      </a:r>
+                    </a:p>
+                  </a:txBody>
+                  <a:tcPr anchor="ctr">
+                    <a:lnL w="12700" cap="flat" cmpd="sng" algn="ctr">
+                      <a:solidFill>
+                        <a:schemeClr val="tx1"/>
+                      </a:solidFill>
+                      <a:prstDash val="solid"/>
+                      <a:round/>
+                      <a:headEnd type="none" w="med" len="med"/>
+                      <a:tailEnd type="none" w="med" len="med"/>
+                    </a:lnL>
+                    <a:lnR w="12700" cap="flat" cmpd="sng" algn="ctr">
+                      <a:solidFill>
+                        <a:schemeClr val="tx1"/>
+                      </a:solidFill>
+                      <a:prstDash val="solid"/>
+                      <a:round/>
+                      <a:headEnd type="none" w="med" len="med"/>
+                      <a:tailEnd type="none" w="med" len="med"/>
+                    </a:lnR>
+                    <a:lnT w="12700" cap="flat" cmpd="sng" algn="ctr">
+                      <a:solidFill>
+                        <a:schemeClr val="tx1"/>
+                      </a:solidFill>
+                      <a:prstDash val="solid"/>
+                      <a:round/>
+                      <a:headEnd type="none" w="med" len="med"/>
+                      <a:tailEnd type="none" w="med" len="med"/>
+                    </a:lnT>
+                    <a:lnB w="12700" cap="flat" cmpd="sng" algn="ctr">
+                      <a:solidFill>
+                        <a:schemeClr val="tx1"/>
+                      </a:solidFill>
+                      <a:prstDash val="solid"/>
+                      <a:round/>
+                      <a:headEnd type="none" w="med" len="med"/>
+                      <a:tailEnd type="none" w="med" len="med"/>
+                    </a:lnB>
+                  </a:tcPr>
+                </a:tc>
+                <a:extLst>
+                  <a:ext uri="{0D108BD9-81ED-4DB2-BD59-A6C34878D82A}">
+                    <a16:rowId xmlns:a16="http://schemas.microsoft.com/office/drawing/2014/main" val="2488408205"/>
+                  </a:ext>
+                </a:extLst>
+              </a:tr>
+            </a:tbl>
+          </a:graphicData>
+        </a:graphic>
+      </p:graphicFrame>
+    </p:spTree>
+    <p:extLst>
+      <p:ext uri="{BB962C8B-B14F-4D97-AF65-F5344CB8AC3E}">
+        <p14:creationId xmlns:p14="http://schemas.microsoft.com/office/powerpoint/2010/main" val="1042961225"/>
+      </p:ext>
+    </p:extLst>
+  </p:cSld>
+  <p:clrMapOvr>
+    <a:masterClrMapping/>
+  </p:clrMapOvr>
+</p:sld>
+</file>
+
+<file path=ppt/slides/slide8.xml><?xml version="1.0" encoding="utf-8"?>
 <p:sld xmlns:a="http://schemas.openxmlformats.org/drawingml/2006/main" xmlns:r="http://schemas.openxmlformats.org/officeDocument/2006/relationships" xmlns:p="http://schemas.openxmlformats.org/presentationml/2006/main">
   <p:cSld>
     <p:bg>
@@ -8836,7 +10961,7 @@
                   <a:srgbClr val="FFFEFF"/>
                 </a:solidFill>
               </a:rPr>
-              <a:t>Recommendations and next steps</a:t>
+              <a:t>Recommendations / next steps</a:t>
             </a:r>
           </a:p>
         </p:txBody>
@@ -8857,7 +10982,7 @@
             <p:ph idx="1"/>
             <p:extLst>
               <p:ext uri="{D42A27DB-BD31-4B8C-83A1-F6EECF244321}">
-                <p14:modId xmlns:p14="http://schemas.microsoft.com/office/powerpoint/2010/main" val="1346067783"/>
+                <p14:modId xmlns:p14="http://schemas.microsoft.com/office/powerpoint/2010/main" val="2923810154"/>
               </p:ext>
             </p:extLst>
           </p:nvPr>
@@ -8885,7 +11010,7 @@
 </p:sld>
 </file>
 
-<file path=ppt/slides/slide8.xml><?xml version="1.0" encoding="utf-8"?>
+<file path=ppt/slides/slide9.xml><?xml version="1.0" encoding="utf-8"?>
 <p:sld xmlns:a="http://schemas.openxmlformats.org/drawingml/2006/main" xmlns:r="http://schemas.openxmlformats.org/officeDocument/2006/relationships" xmlns:p="http://schemas.openxmlformats.org/presentationml/2006/main">
   <p:cSld>
     <p:bg>
